--- a/Deliverable/Presentation (submit).pptx
+++ b/Deliverable/Presentation (submit).pptx
@@ -22,7 +22,7 @@
     <p:sldId id="304" r:id="rId13"/>
     <p:sldId id="321" r:id="rId14"/>
     <p:sldId id="306" r:id="rId15"/>
-    <p:sldId id="307" r:id="rId16"/>
+    <p:sldId id="326" r:id="rId16"/>
     <p:sldId id="310" r:id="rId17"/>
     <p:sldId id="325" r:id="rId18"/>
     <p:sldId id="311" r:id="rId19"/>
@@ -216,7 +216,7 @@
           <a:p>
             <a:fld id="{8B4F3301-1A11-4C95-988E-4468D43A4F3B}" type="datetimeFigureOut">
               <a:rPr lang="en-CA" smtClean="0"/>
-              <a:t>2018-04-12</a:t>
+              <a:t>13/04/2018</a:t>
             </a:fld>
             <a:endParaRPr lang="en-CA" dirty="0"/>
           </a:p>
@@ -528,6 +528,10 @@
           <a:bodyPr/>
           <a:lstStyle/>
           <a:p>
+            <a:r>
+              <a:rPr lang="en-US" dirty="0"/>
+              <a:t/>
+            </a:r>
             <a:br>
               <a:rPr lang="en-US" dirty="0"/>
             </a:br>
@@ -757,7 +761,7 @@
           <a:p>
             <a:fld id="{27E4458E-D92E-42B0-8ED0-1D20F3C890E4}" type="datetime1">
               <a:rPr lang="en-CA" smtClean="0"/>
-              <a:t>2018-04-12</a:t>
+              <a:t>13/04/2018</a:t>
             </a:fld>
             <a:endParaRPr lang="en-CA" dirty="0"/>
           </a:p>
@@ -968,7 +972,7 @@
           <a:p>
             <a:fld id="{78DAE9E3-9AA9-4B5C-9694-069684B4AF49}" type="datetime1">
               <a:rPr lang="en-CA" smtClean="0"/>
-              <a:t>2018-04-12</a:t>
+              <a:t>13/04/2018</a:t>
             </a:fld>
             <a:endParaRPr lang="en-CA" dirty="0"/>
           </a:p>
@@ -1141,7 +1145,7 @@
           <a:p>
             <a:fld id="{3754543D-8BDF-497C-A3E5-0725D6551A28}" type="datetime1">
               <a:rPr lang="en-CA" smtClean="0"/>
-              <a:t>2018-04-12</a:t>
+              <a:t>13/04/2018</a:t>
             </a:fld>
             <a:endParaRPr lang="en-CA" dirty="0"/>
           </a:p>
@@ -1324,7 +1328,7 @@
           <a:p>
             <a:fld id="{CD8F99F3-1ADF-4B1D-B517-281C950575A6}" type="datetime1">
               <a:rPr lang="en-CA" smtClean="0"/>
-              <a:t>2018-04-12</a:t>
+              <a:t>13/04/2018</a:t>
             </a:fld>
             <a:endParaRPr lang="en-CA" dirty="0"/>
           </a:p>
@@ -1678,7 +1682,7 @@
           <a:p>
             <a:fld id="{8B65A117-9AD8-4CB7-AE1C-DFF8007FE590}" type="datetime1">
               <a:rPr lang="en-CA" smtClean="0"/>
-              <a:t>2018-04-12</a:t>
+              <a:t>13/04/2018</a:t>
             </a:fld>
             <a:endParaRPr lang="en-CA" dirty="0"/>
           </a:p>
@@ -1870,7 +1874,7 @@
           <a:p>
             <a:fld id="{8C0E54EA-8D4C-4FED-9507-2FCA8636D5A2}" type="datetime1">
               <a:rPr lang="en-CA" smtClean="0"/>
-              <a:t>2018-04-12</a:t>
+              <a:t>13/04/2018</a:t>
             </a:fld>
             <a:endParaRPr lang="en-CA" dirty="0"/>
           </a:p>
@@ -2119,7 +2123,7 @@
           <a:p>
             <a:fld id="{201A85FF-BB48-4CC9-AF14-C242DCDF78DB}" type="datetime1">
               <a:rPr lang="en-CA" smtClean="0"/>
-              <a:t>2018-04-12</a:t>
+              <a:t>13/04/2018</a:t>
             </a:fld>
             <a:endParaRPr lang="en-CA" dirty="0"/>
           </a:p>
@@ -2354,7 +2358,7 @@
           <a:p>
             <a:fld id="{03A19C6C-815E-4582-B785-622ECEAA2A8E}" type="datetime1">
               <a:rPr lang="en-CA" smtClean="0"/>
-              <a:t>2018-04-12</a:t>
+              <a:t>13/04/2018</a:t>
             </a:fld>
             <a:endParaRPr lang="en-CA" dirty="0"/>
           </a:p>
@@ -2724,7 +2728,7 @@
           <a:p>
             <a:fld id="{F1F6CADB-47F3-466F-8919-9C35DF245FCC}" type="datetime1">
               <a:rPr lang="en-CA" smtClean="0"/>
-              <a:t>2018-04-12</a:t>
+              <a:t>13/04/2018</a:t>
             </a:fld>
             <a:endParaRPr lang="en-CA" dirty="0"/>
           </a:p>
@@ -2845,7 +2849,7 @@
           <a:p>
             <a:fld id="{45A95194-5635-4530-A721-E52EBC14514B}" type="datetime1">
               <a:rPr lang="en-CA" smtClean="0"/>
-              <a:t>2018-04-12</a:t>
+              <a:t>13/04/2018</a:t>
             </a:fld>
             <a:endParaRPr lang="en-CA" dirty="0"/>
           </a:p>
@@ -2943,7 +2947,7 @@
           <a:p>
             <a:fld id="{255348EC-5CF7-4EA4-BBD1-D41539E4ED3B}" type="datetime1">
               <a:rPr lang="en-CA" smtClean="0"/>
-              <a:t>2018-04-12</a:t>
+              <a:t>13/04/2018</a:t>
             </a:fld>
             <a:endParaRPr lang="en-CA" dirty="0"/>
           </a:p>
@@ -3223,7 +3227,7 @@
           <a:p>
             <a:fld id="{FE7060F8-CBB0-4EAF-A72A-DCED4B4705ED}" type="datetime1">
               <a:rPr lang="en-CA" smtClean="0"/>
-              <a:t>2018-04-12</a:t>
+              <a:t>13/04/2018</a:t>
             </a:fld>
             <a:endParaRPr lang="en-CA" dirty="0"/>
           </a:p>
@@ -3503,7 +3507,7 @@
           <a:p>
             <a:fld id="{7BAE01DC-E3A3-4D84-9A90-57D8C15F8D02}" type="datetime1">
               <a:rPr lang="en-CA" smtClean="0"/>
-              <a:t>2018-04-12</a:t>
+              <a:t>13/04/2018</a:t>
             </a:fld>
             <a:endParaRPr lang="en-CA" dirty="0"/>
           </a:p>
@@ -4012,7 +4016,7 @@
           <a:p>
             <a:fld id="{020C9299-DD54-459C-82DD-722B22C80F08}" type="datetime1">
               <a:rPr lang="en-CA" smtClean="0"/>
-              <a:t>2018-04-12</a:t>
+              <a:t>13/04/2018</a:t>
             </a:fld>
             <a:endParaRPr lang="en-CA" dirty="0"/>
           </a:p>
@@ -4028,6 +4032,13 @@
   <p:clrMapOvr>
     <a:masterClrMapping/>
   </p:clrMapOvr>
+  <p:timing>
+    <p:tnLst>
+      <p:par>
+        <p:cTn id="1" dur="indefinite" restart="never" nodeType="tmRoot"/>
+      </p:par>
+    </p:tnLst>
+  </p:timing>
 </p:sld>
 </file>
 
@@ -4093,7 +4104,7 @@
           <a:p>
             <a:fld id="{8B65A117-9AD8-4CB7-AE1C-DFF8007FE590}" type="datetime1">
               <a:rPr lang="en-CA" smtClean="0"/>
-              <a:t>2018-04-12</a:t>
+              <a:t>13/04/2018</a:t>
             </a:fld>
             <a:endParaRPr lang="en-CA" dirty="0"/>
           </a:p>
@@ -4262,8 +4273,35 @@
           <a:p>
             <a:r>
               <a:rPr lang="en-CA" sz="2400" dirty="0"/>
-              <a:t>Most collisions happened in level and aligned road. However, bad road alignment may post higher risk of fatal accident.  </a:t>
-            </a:r>
+              <a:t>Most collisions happened in level and aligned road</a:t>
+            </a:r>
+            <a:r>
+              <a:rPr lang="en-CA" sz="2400" dirty="0" smtClean="0"/>
+              <a:t>.</a:t>
+            </a:r>
+          </a:p>
+          <a:p>
+            <a:r>
+              <a:rPr lang="en-CA" sz="2400" dirty="0" smtClean="0"/>
+              <a:t>Bad </a:t>
+            </a:r>
+            <a:r>
+              <a:rPr lang="en-CA" sz="2400" dirty="0"/>
+              <a:t>road alignment may </a:t>
+            </a:r>
+            <a:r>
+              <a:rPr lang="en-CA" sz="2400" dirty="0" smtClean="0"/>
+              <a:t>lead to </a:t>
+            </a:r>
+            <a:r>
+              <a:rPr lang="en-CA" sz="2400" dirty="0"/>
+              <a:t>higher risk of fatal </a:t>
+            </a:r>
+            <a:r>
+              <a:rPr lang="en-CA" sz="2400" dirty="0" smtClean="0"/>
+              <a:t>accidents.  </a:t>
+            </a:r>
+            <a:endParaRPr lang="en-CA" sz="2400" dirty="0"/>
           </a:p>
         </p:txBody>
       </p:sp>
@@ -4298,7 +4336,7 @@
                             </p:stCondLst>
                             <p:childTnLst>
                               <p:par>
-                                <p:cTn id="5" presetID="1" presetClass="entr" presetSubtype="0" fill="hold" grpId="0" nodeType="clickEffect">
+                                <p:cTn id="5" presetID="22" presetClass="entr" presetSubtype="8" fill="hold" grpId="0" nodeType="clickEffect">
                                   <p:stCondLst>
                                     <p:cond delay="0"/>
                                   </p:stCondLst>
@@ -4321,6 +4359,14 @@
                                         <p:strVal val="visible"/>
                                       </p:to>
                                     </p:set>
+                                    <p:animEffect transition="in" filter="wipe(left)">
+                                      <p:cBhvr>
+                                        <p:cTn id="7" dur="500"/>
+                                        <p:tgtEl>
+                                          <p:spTgt spid="9"/>
+                                        </p:tgtEl>
+                                      </p:cBhvr>
+                                    </p:animEffect>
                                   </p:childTnLst>
                                 </p:cTn>
                               </p:par>
@@ -4420,7 +4466,7 @@
           <a:p>
             <a:fld id="{8B65A117-9AD8-4CB7-AE1C-DFF8007FE590}" type="datetime1">
               <a:rPr lang="en-CA" smtClean="0"/>
-              <a:t>2018-04-12</a:t>
+              <a:t>13/04/2018</a:t>
             </a:fld>
             <a:endParaRPr lang="en-CA" dirty="0"/>
           </a:p>
@@ -4472,421 +4518,379 @@
           </a:p>
         </p:txBody>
       </p:sp>
-      <p:grpSp>
-        <p:nvGrpSpPr>
-          <p:cNvPr id="3" name="Group 2">
+      <p:pic>
+        <p:nvPicPr>
+          <p:cNvPr id="4100" name="Picture 4" descr="R1.4.png">
             <a:extLst>
               <a:ext uri="{FF2B5EF4-FFF2-40B4-BE49-F238E27FC236}">
-                <a16:creationId xmlns:a16="http://schemas.microsoft.com/office/drawing/2014/main" id="{49E11F1A-8BBB-4344-A4E4-7BD0ADF2D4C2}"/>
+                <a16:creationId xmlns:a16="http://schemas.microsoft.com/office/drawing/2014/main" id="{13B02729-E3B6-4C48-98A4-58E7FAAA8B21}"/>
               </a:ext>
             </a:extLst>
           </p:cNvPr>
-          <p:cNvGrpSpPr/>
+          <p:cNvPicPr>
+            <a:picLocks noChangeAspect="1" noChangeArrowheads="1"/>
+          </p:cNvPicPr>
           <p:nvPr/>
-        </p:nvGrpSpPr>
-        <p:grpSpPr>
+        </p:nvPicPr>
+        <p:blipFill>
+          <a:blip r:embed="rId2">
+            <a:extLst>
+              <a:ext uri="{28A0092B-C50C-407E-A947-70E740481C1C}">
+                <a14:useLocalDpi xmlns:a14="http://schemas.microsoft.com/office/drawing/2010/main" val="0"/>
+              </a:ext>
+            </a:extLst>
+          </a:blip>
+          <a:srcRect/>
+          <a:stretch>
+            <a:fillRect/>
+          </a:stretch>
+        </p:blipFill>
+        <p:spPr bwMode="auto">
           <a:xfrm>
             <a:off x="1710396" y="1545867"/>
             <a:ext cx="8541840" cy="4096627"/>
-            <a:chOff x="1163783" y="1647359"/>
-            <a:chExt cx="9624434" cy="4708993"/>
           </a:xfrm>
-        </p:grpSpPr>
-        <p:pic>
-          <p:nvPicPr>
-            <p:cNvPr id="4100" name="Picture 4" descr="R1.4.png">
-              <a:extLst>
-                <a:ext uri="{FF2B5EF4-FFF2-40B4-BE49-F238E27FC236}">
-                  <a16:creationId xmlns:a16="http://schemas.microsoft.com/office/drawing/2014/main" id="{13B02729-E3B6-4C48-98A4-58E7FAAA8B21}"/>
-                </a:ext>
-              </a:extLst>
-            </p:cNvPr>
-            <p:cNvPicPr>
-              <a:picLocks noChangeAspect="1" noChangeArrowheads="1"/>
-            </p:cNvPicPr>
-            <p:nvPr/>
-          </p:nvPicPr>
-          <p:blipFill>
-            <a:blip r:embed="rId2">
-              <a:extLst>
-                <a:ext uri="{28A0092B-C50C-407E-A947-70E740481C1C}">
-                  <a14:useLocalDpi xmlns:a14="http://schemas.microsoft.com/office/drawing/2010/main" val="0"/>
-                </a:ext>
-              </a:extLst>
-            </a:blip>
-            <a:srcRect/>
-            <a:stretch>
-              <a:fillRect/>
-            </a:stretch>
-          </p:blipFill>
-          <p:spPr bwMode="auto">
-            <a:xfrm>
-              <a:off x="1163783" y="1647359"/>
-              <a:ext cx="9624434" cy="4708993"/>
-            </a:xfrm>
-            <a:prstGeom prst="rect">
-              <a:avLst/>
-            </a:prstGeom>
+          <a:prstGeom prst="rect">
+            <a:avLst/>
+          </a:prstGeom>
+          <a:noFill/>
+          <a:extLst>
+            <a:ext uri="{909E8E84-426E-40DD-AFC4-6F175D3DCCD1}">
+              <a14:hiddenFill xmlns:a14="http://schemas.microsoft.com/office/drawing/2010/main">
+                <a:solidFill>
+                  <a:srgbClr val="FFFFFF"/>
+                </a:solidFill>
+              </a14:hiddenFill>
+            </a:ext>
+          </a:extLst>
+        </p:spPr>
+      </p:pic>
+      <p:sp>
+        <p:nvSpPr>
+          <p:cNvPr id="9" name="Right Arrow 8"/>
+          <p:cNvSpPr/>
+          <p:nvPr/>
+        </p:nvSpPr>
+        <p:spPr>
+          <a:xfrm rot="1433286">
+            <a:off x="2200225" y="2819842"/>
+            <a:ext cx="663992" cy="157483"/>
+          </a:xfrm>
+          <a:prstGeom prst="rightArrow">
+            <a:avLst/>
+          </a:prstGeom>
+        </p:spPr>
+        <p:style>
+          <a:lnRef idx="2">
+            <a:schemeClr val="accent1">
+              <a:shade val="50000"/>
+            </a:schemeClr>
+          </a:lnRef>
+          <a:fillRef idx="1">
+            <a:schemeClr val="accent1"/>
+          </a:fillRef>
+          <a:effectRef idx="0">
+            <a:schemeClr val="accent1"/>
+          </a:effectRef>
+          <a:fontRef idx="minor">
+            <a:schemeClr val="lt1"/>
+          </a:fontRef>
+        </p:style>
+        <p:txBody>
+          <a:bodyPr rtlCol="0" anchor="ctr"/>
+          <a:lstStyle/>
+          <a:p>
+            <a:pPr algn="ctr"/>
+            <a:endParaRPr lang="en-CA" dirty="0"/>
+          </a:p>
+        </p:txBody>
+      </p:sp>
+      <p:sp>
+        <p:nvSpPr>
+          <p:cNvPr id="12" name="Right Arrow 11"/>
+          <p:cNvSpPr/>
+          <p:nvPr/>
+        </p:nvSpPr>
+        <p:spPr>
+          <a:xfrm rot="1393885">
+            <a:off x="2126003" y="3919111"/>
+            <a:ext cx="663992" cy="139523"/>
+          </a:xfrm>
+          <a:prstGeom prst="rightArrow">
+            <a:avLst/>
+          </a:prstGeom>
+        </p:spPr>
+        <p:style>
+          <a:lnRef idx="2">
+            <a:schemeClr val="accent1">
+              <a:shade val="50000"/>
+            </a:schemeClr>
+          </a:lnRef>
+          <a:fillRef idx="1">
+            <a:schemeClr val="accent1"/>
+          </a:fillRef>
+          <a:effectRef idx="0">
+            <a:schemeClr val="accent1"/>
+          </a:effectRef>
+          <a:fontRef idx="minor">
+            <a:schemeClr val="lt1"/>
+          </a:fontRef>
+        </p:style>
+        <p:txBody>
+          <a:bodyPr rtlCol="0" anchor="ctr"/>
+          <a:lstStyle/>
+          <a:p>
+            <a:pPr algn="ctr"/>
+            <a:endParaRPr lang="en-CA" dirty="0"/>
+          </a:p>
+        </p:txBody>
+      </p:sp>
+      <p:sp>
+        <p:nvSpPr>
+          <p:cNvPr id="13" name="Right Arrow 12"/>
+          <p:cNvSpPr/>
+          <p:nvPr/>
+        </p:nvSpPr>
+        <p:spPr>
+          <a:xfrm rot="11186099">
+            <a:off x="3320390" y="4602103"/>
+            <a:ext cx="654383" cy="136967"/>
+          </a:xfrm>
+          <a:prstGeom prst="rightArrow">
+            <a:avLst/>
+          </a:prstGeom>
+          <a:ln>
             <a:noFill/>
-            <a:extLst>
-              <a:ext uri="{909E8E84-426E-40DD-AFC4-6F175D3DCCD1}">
-                <a14:hiddenFill xmlns:a14="http://schemas.microsoft.com/office/drawing/2010/main">
-                  <a:solidFill>
-                    <a:srgbClr val="FFFFFF"/>
-                  </a:solidFill>
-                </a14:hiddenFill>
-              </a:ext>
-            </a:extLst>
-          </p:spPr>
-        </p:pic>
-        <p:grpSp>
-          <p:nvGrpSpPr>
-            <p:cNvPr id="2" name="Group 1">
-              <a:extLst>
-                <a:ext uri="{FF2B5EF4-FFF2-40B4-BE49-F238E27FC236}">
-                  <a16:creationId xmlns:a16="http://schemas.microsoft.com/office/drawing/2014/main" id="{C66C63EF-6F85-4FD0-A089-76072E0356B6}"/>
-                </a:ext>
-              </a:extLst>
-            </p:cNvPr>
-            <p:cNvGrpSpPr/>
-            <p:nvPr/>
-          </p:nvGrpSpPr>
-          <p:grpSpPr>
-            <a:xfrm>
-              <a:off x="1632064" y="3111769"/>
-              <a:ext cx="7841656" cy="2489043"/>
-              <a:chOff x="1632064" y="3111769"/>
-              <a:chExt cx="7841656" cy="2489043"/>
-            </a:xfrm>
-          </p:grpSpPr>
-          <p:sp>
-            <p:nvSpPr>
-              <p:cNvPr id="9" name="Right Arrow 8"/>
-              <p:cNvSpPr/>
-              <p:nvPr/>
-            </p:nvSpPr>
-            <p:spPr>
-              <a:xfrm rot="1433286">
-                <a:off x="1715693" y="3111769"/>
-                <a:ext cx="748146" cy="181024"/>
-              </a:xfrm>
-              <a:prstGeom prst="rightArrow">
-                <a:avLst/>
-              </a:prstGeom>
-            </p:spPr>
-            <p:style>
-              <a:lnRef idx="2">
-                <a:schemeClr val="accent1">
-                  <a:shade val="50000"/>
-                </a:schemeClr>
-              </a:lnRef>
-              <a:fillRef idx="1">
-                <a:schemeClr val="accent1"/>
-              </a:fillRef>
-              <a:effectRef idx="0">
-                <a:schemeClr val="accent1"/>
-              </a:effectRef>
-              <a:fontRef idx="minor">
-                <a:schemeClr val="lt1"/>
-              </a:fontRef>
-            </p:style>
-            <p:txBody>
-              <a:bodyPr rtlCol="0" anchor="ctr"/>
-              <a:lstStyle/>
-              <a:p>
-                <a:pPr algn="ctr"/>
-                <a:endParaRPr lang="en-CA" dirty="0"/>
-              </a:p>
-            </p:txBody>
-          </p:sp>
-          <p:sp>
-            <p:nvSpPr>
-              <p:cNvPr id="12" name="Right Arrow 11"/>
-              <p:cNvSpPr/>
-              <p:nvPr/>
-            </p:nvSpPr>
-            <p:spPr>
-              <a:xfrm rot="1393885">
-                <a:off x="1632064" y="4375358"/>
-                <a:ext cx="748146" cy="160379"/>
-              </a:xfrm>
-              <a:prstGeom prst="rightArrow">
-                <a:avLst/>
-              </a:prstGeom>
-            </p:spPr>
-            <p:style>
-              <a:lnRef idx="2">
-                <a:schemeClr val="accent1">
-                  <a:shade val="50000"/>
-                </a:schemeClr>
-              </a:lnRef>
-              <a:fillRef idx="1">
-                <a:schemeClr val="accent1"/>
-              </a:fillRef>
-              <a:effectRef idx="0">
-                <a:schemeClr val="accent1"/>
-              </a:effectRef>
-              <a:fontRef idx="minor">
-                <a:schemeClr val="lt1"/>
-              </a:fontRef>
-            </p:style>
-            <p:txBody>
-              <a:bodyPr rtlCol="0" anchor="ctr"/>
-              <a:lstStyle/>
-              <a:p>
-                <a:pPr algn="ctr"/>
-                <a:endParaRPr lang="en-CA" dirty="0"/>
-              </a:p>
-            </p:txBody>
-          </p:sp>
-          <p:sp>
-            <p:nvSpPr>
-              <p:cNvPr id="13" name="Right Arrow 12"/>
-              <p:cNvSpPr/>
-              <p:nvPr/>
-            </p:nvSpPr>
-            <p:spPr>
-              <a:xfrm rot="11186099">
-                <a:off x="2977828" y="5160444"/>
-                <a:ext cx="737320" cy="157441"/>
-              </a:xfrm>
-              <a:prstGeom prst="rightArrow">
-                <a:avLst/>
-              </a:prstGeom>
-              <a:ln>
-                <a:noFill/>
-              </a:ln>
-            </p:spPr>
-            <p:style>
-              <a:lnRef idx="2">
-                <a:schemeClr val="accent1">
-                  <a:shade val="50000"/>
-                </a:schemeClr>
-              </a:lnRef>
-              <a:fillRef idx="1">
-                <a:schemeClr val="accent1"/>
-              </a:fillRef>
-              <a:effectRef idx="0">
-                <a:schemeClr val="accent1"/>
-              </a:effectRef>
-              <a:fontRef idx="minor">
-                <a:schemeClr val="lt1"/>
-              </a:fontRef>
-            </p:style>
-            <p:txBody>
-              <a:bodyPr rtlCol="0" anchor="ctr"/>
-              <a:lstStyle/>
-              <a:p>
-                <a:pPr algn="ctr"/>
-                <a:endParaRPr lang="en-CA" dirty="0"/>
-              </a:p>
-            </p:txBody>
-          </p:sp>
-          <p:sp>
-            <p:nvSpPr>
-              <p:cNvPr id="15" name="Isosceles Triangle 14"/>
-              <p:cNvSpPr/>
-              <p:nvPr/>
-            </p:nvSpPr>
-            <p:spPr>
-              <a:xfrm rot="5400000">
-                <a:off x="8436258" y="2691224"/>
-                <a:ext cx="119087" cy="1955836"/>
-              </a:xfrm>
-              <a:prstGeom prst="triangle">
-                <a:avLst/>
-              </a:prstGeom>
-            </p:spPr>
-            <p:style>
-              <a:lnRef idx="2">
-                <a:schemeClr val="accent1">
-                  <a:shade val="50000"/>
-                </a:schemeClr>
-              </a:lnRef>
-              <a:fillRef idx="1">
-                <a:schemeClr val="accent1"/>
-              </a:fillRef>
-              <a:effectRef idx="0">
-                <a:schemeClr val="accent1"/>
-              </a:effectRef>
-              <a:fontRef idx="minor">
-                <a:schemeClr val="lt1"/>
-              </a:fontRef>
-            </p:style>
-            <p:txBody>
-              <a:bodyPr rtlCol="0" anchor="ctr"/>
-              <a:lstStyle/>
-              <a:p>
-                <a:pPr algn="ctr"/>
-                <a:endParaRPr lang="en-CA" dirty="0"/>
-              </a:p>
-            </p:txBody>
-          </p:sp>
-          <p:sp>
-            <p:nvSpPr>
-              <p:cNvPr id="16" name="Right Arrow 15"/>
-              <p:cNvSpPr/>
-              <p:nvPr/>
-            </p:nvSpPr>
-            <p:spPr>
-              <a:xfrm rot="12099942">
-                <a:off x="2815396" y="5049352"/>
-                <a:ext cx="929647" cy="102819"/>
-              </a:xfrm>
-              <a:prstGeom prst="rightArrow">
-                <a:avLst/>
-              </a:prstGeom>
-              <a:ln>
-                <a:noFill/>
-              </a:ln>
-            </p:spPr>
-            <p:style>
-              <a:lnRef idx="2">
-                <a:schemeClr val="accent1">
-                  <a:shade val="50000"/>
-                </a:schemeClr>
-              </a:lnRef>
-              <a:fillRef idx="1">
-                <a:schemeClr val="accent1"/>
-              </a:fillRef>
-              <a:effectRef idx="0">
-                <a:schemeClr val="accent1"/>
-              </a:effectRef>
-              <a:fontRef idx="minor">
-                <a:schemeClr val="lt1"/>
-              </a:fontRef>
-            </p:style>
-            <p:txBody>
-              <a:bodyPr rtlCol="0" anchor="ctr"/>
-              <a:lstStyle/>
-              <a:p>
-                <a:pPr algn="ctr"/>
-                <a:endParaRPr lang="en-CA" dirty="0"/>
-              </a:p>
-            </p:txBody>
-          </p:sp>
-          <p:sp>
-            <p:nvSpPr>
-              <p:cNvPr id="20" name="Isosceles Triangle 19"/>
-              <p:cNvSpPr/>
-              <p:nvPr/>
-            </p:nvSpPr>
-            <p:spPr>
-              <a:xfrm rot="5400000">
-                <a:off x="8244274" y="4417744"/>
-                <a:ext cx="119087" cy="1955836"/>
-              </a:xfrm>
-              <a:prstGeom prst="triangle">
-                <a:avLst/>
-              </a:prstGeom>
-            </p:spPr>
-            <p:style>
-              <a:lnRef idx="2">
-                <a:schemeClr val="accent1">
-                  <a:shade val="50000"/>
-                </a:schemeClr>
-              </a:lnRef>
-              <a:fillRef idx="1">
-                <a:schemeClr val="accent1"/>
-              </a:fillRef>
-              <a:effectRef idx="0">
-                <a:schemeClr val="accent1"/>
-              </a:effectRef>
-              <a:fontRef idx="minor">
-                <a:schemeClr val="lt1"/>
-              </a:fontRef>
-            </p:style>
-            <p:txBody>
-              <a:bodyPr rtlCol="0" anchor="ctr"/>
-              <a:lstStyle/>
-              <a:p>
-                <a:pPr algn="ctr"/>
-                <a:endParaRPr lang="en-CA" dirty="0"/>
-              </a:p>
-            </p:txBody>
-          </p:sp>
-          <p:sp>
-            <p:nvSpPr>
-              <p:cNvPr id="21" name="Isosceles Triangle 20"/>
-              <p:cNvSpPr/>
-              <p:nvPr/>
-            </p:nvSpPr>
-            <p:spPr>
-              <a:xfrm rot="5400000">
-                <a:off x="3662104" y="2807709"/>
-                <a:ext cx="119087" cy="1955836"/>
-              </a:xfrm>
-              <a:prstGeom prst="triangle">
-                <a:avLst/>
-              </a:prstGeom>
-            </p:spPr>
-            <p:style>
-              <a:lnRef idx="2">
-                <a:schemeClr val="accent1">
-                  <a:shade val="50000"/>
-                </a:schemeClr>
-              </a:lnRef>
-              <a:fillRef idx="1">
-                <a:schemeClr val="accent1"/>
-              </a:fillRef>
-              <a:effectRef idx="0">
-                <a:schemeClr val="accent1"/>
-              </a:effectRef>
-              <a:fontRef idx="minor">
-                <a:schemeClr val="lt1"/>
-              </a:fontRef>
-            </p:style>
-            <p:txBody>
-              <a:bodyPr rtlCol="0" anchor="ctr"/>
-              <a:lstStyle/>
-              <a:p>
-                <a:pPr algn="ctr"/>
-                <a:endParaRPr lang="en-CA" dirty="0"/>
-              </a:p>
-            </p:txBody>
-          </p:sp>
-          <p:sp>
-            <p:nvSpPr>
-              <p:cNvPr id="22" name="Isosceles Triangle 21"/>
-              <p:cNvSpPr/>
-              <p:nvPr/>
-            </p:nvSpPr>
-            <p:spPr>
-              <a:xfrm rot="5400000">
-                <a:off x="3747628" y="4563351"/>
-                <a:ext cx="119087" cy="1955836"/>
-              </a:xfrm>
-              <a:prstGeom prst="triangle">
-                <a:avLst/>
-              </a:prstGeom>
-            </p:spPr>
-            <p:style>
-              <a:lnRef idx="2">
-                <a:schemeClr val="accent1">
-                  <a:shade val="50000"/>
-                </a:schemeClr>
-              </a:lnRef>
-              <a:fillRef idx="1">
-                <a:schemeClr val="accent1"/>
-              </a:fillRef>
-              <a:effectRef idx="0">
-                <a:schemeClr val="accent1"/>
-              </a:effectRef>
-              <a:fontRef idx="minor">
-                <a:schemeClr val="lt1"/>
-              </a:fontRef>
-            </p:style>
-            <p:txBody>
-              <a:bodyPr rtlCol="0" anchor="ctr"/>
-              <a:lstStyle/>
-              <a:p>
-                <a:pPr algn="ctr"/>
-                <a:endParaRPr lang="en-CA" dirty="0"/>
-              </a:p>
-            </p:txBody>
-          </p:sp>
-        </p:grpSp>
-      </p:grpSp>
+          </a:ln>
+        </p:spPr>
+        <p:style>
+          <a:lnRef idx="2">
+            <a:schemeClr val="accent1">
+              <a:shade val="50000"/>
+            </a:schemeClr>
+          </a:lnRef>
+          <a:fillRef idx="1">
+            <a:schemeClr val="accent1"/>
+          </a:fillRef>
+          <a:effectRef idx="0">
+            <a:schemeClr val="accent1"/>
+          </a:effectRef>
+          <a:fontRef idx="minor">
+            <a:schemeClr val="lt1"/>
+          </a:fontRef>
+        </p:style>
+        <p:txBody>
+          <a:bodyPr rtlCol="0" anchor="ctr"/>
+          <a:lstStyle/>
+          <a:p>
+            <a:pPr algn="ctr"/>
+            <a:endParaRPr lang="en-CA" dirty="0"/>
+          </a:p>
+        </p:txBody>
+      </p:sp>
+      <p:sp>
+        <p:nvSpPr>
+          <p:cNvPr id="15" name="Isosceles Triangle 14"/>
+          <p:cNvSpPr/>
+          <p:nvPr/>
+        </p:nvSpPr>
+        <p:spPr>
+          <a:xfrm rot="5400000">
+            <a:off x="8165880" y="2436815"/>
+            <a:ext cx="103601" cy="1735836"/>
+          </a:xfrm>
+          <a:prstGeom prst="triangle">
+            <a:avLst/>
+          </a:prstGeom>
+        </p:spPr>
+        <p:style>
+          <a:lnRef idx="2">
+            <a:schemeClr val="accent1">
+              <a:shade val="50000"/>
+            </a:schemeClr>
+          </a:lnRef>
+          <a:fillRef idx="1">
+            <a:schemeClr val="accent1"/>
+          </a:fillRef>
+          <a:effectRef idx="0">
+            <a:schemeClr val="accent1"/>
+          </a:effectRef>
+          <a:fontRef idx="minor">
+            <a:schemeClr val="lt1"/>
+          </a:fontRef>
+        </p:style>
+        <p:txBody>
+          <a:bodyPr rtlCol="0" anchor="ctr"/>
+          <a:lstStyle/>
+          <a:p>
+            <a:pPr algn="ctr"/>
+            <a:endParaRPr lang="en-CA" dirty="0"/>
+          </a:p>
+        </p:txBody>
+      </p:sp>
+      <p:sp>
+        <p:nvSpPr>
+          <p:cNvPr id="16" name="Right Arrow 15"/>
+          <p:cNvSpPr/>
+          <p:nvPr/>
+        </p:nvSpPr>
+        <p:spPr>
+          <a:xfrm rot="12099942">
+            <a:off x="3176229" y="4505458"/>
+            <a:ext cx="825077" cy="89448"/>
+          </a:xfrm>
+          <a:prstGeom prst="rightArrow">
+            <a:avLst/>
+          </a:prstGeom>
+          <a:ln>
+            <a:noFill/>
+          </a:ln>
+        </p:spPr>
+        <p:style>
+          <a:lnRef idx="2">
+            <a:schemeClr val="accent1">
+              <a:shade val="50000"/>
+            </a:schemeClr>
+          </a:lnRef>
+          <a:fillRef idx="1">
+            <a:schemeClr val="accent1"/>
+          </a:fillRef>
+          <a:effectRef idx="0">
+            <a:schemeClr val="accent1"/>
+          </a:effectRef>
+          <a:fontRef idx="minor">
+            <a:schemeClr val="lt1"/>
+          </a:fontRef>
+        </p:style>
+        <p:txBody>
+          <a:bodyPr rtlCol="0" anchor="ctr"/>
+          <a:lstStyle/>
+          <a:p>
+            <a:pPr algn="ctr"/>
+            <a:endParaRPr lang="en-CA" dirty="0"/>
+          </a:p>
+        </p:txBody>
+      </p:sp>
+      <p:sp>
+        <p:nvSpPr>
+          <p:cNvPr id="20" name="Isosceles Triangle 19"/>
+          <p:cNvSpPr/>
+          <p:nvPr/>
+        </p:nvSpPr>
+        <p:spPr>
+          <a:xfrm rot="5400000">
+            <a:off x="7995491" y="3938815"/>
+            <a:ext cx="103601" cy="1735836"/>
+          </a:xfrm>
+          <a:prstGeom prst="triangle">
+            <a:avLst/>
+          </a:prstGeom>
+        </p:spPr>
+        <p:style>
+          <a:lnRef idx="2">
+            <a:schemeClr val="accent1">
+              <a:shade val="50000"/>
+            </a:schemeClr>
+          </a:lnRef>
+          <a:fillRef idx="1">
+            <a:schemeClr val="accent1"/>
+          </a:fillRef>
+          <a:effectRef idx="0">
+            <a:schemeClr val="accent1"/>
+          </a:effectRef>
+          <a:fontRef idx="minor">
+            <a:schemeClr val="lt1"/>
+          </a:fontRef>
+        </p:style>
+        <p:txBody>
+          <a:bodyPr rtlCol="0" anchor="ctr"/>
+          <a:lstStyle/>
+          <a:p>
+            <a:pPr algn="ctr"/>
+            <a:endParaRPr lang="en-CA" dirty="0"/>
+          </a:p>
+        </p:txBody>
+      </p:sp>
+      <p:sp>
+        <p:nvSpPr>
+          <p:cNvPr id="21" name="Isosceles Triangle 20"/>
+          <p:cNvSpPr/>
+          <p:nvPr/>
+        </p:nvSpPr>
+        <p:spPr>
+          <a:xfrm rot="5400000">
+            <a:off x="3928742" y="2538152"/>
+            <a:ext cx="103601" cy="1735836"/>
+          </a:xfrm>
+          <a:prstGeom prst="triangle">
+            <a:avLst/>
+          </a:prstGeom>
+        </p:spPr>
+        <p:style>
+          <a:lnRef idx="2">
+            <a:schemeClr val="accent1">
+              <a:shade val="50000"/>
+            </a:schemeClr>
+          </a:lnRef>
+          <a:fillRef idx="1">
+            <a:schemeClr val="accent1"/>
+          </a:fillRef>
+          <a:effectRef idx="0">
+            <a:schemeClr val="accent1"/>
+          </a:effectRef>
+          <a:fontRef idx="minor">
+            <a:schemeClr val="lt1"/>
+          </a:fontRef>
+        </p:style>
+        <p:txBody>
+          <a:bodyPr rtlCol="0" anchor="ctr"/>
+          <a:lstStyle/>
+          <a:p>
+            <a:pPr algn="ctr"/>
+            <a:endParaRPr lang="en-CA" dirty="0"/>
+          </a:p>
+        </p:txBody>
+      </p:sp>
+      <p:sp>
+        <p:nvSpPr>
+          <p:cNvPr id="22" name="Isosceles Triangle 21"/>
+          <p:cNvSpPr/>
+          <p:nvPr/>
+        </p:nvSpPr>
+        <p:spPr>
+          <a:xfrm rot="5400000">
+            <a:off x="4004646" y="4065487"/>
+            <a:ext cx="103601" cy="1735836"/>
+          </a:xfrm>
+          <a:prstGeom prst="triangle">
+            <a:avLst/>
+          </a:prstGeom>
+        </p:spPr>
+        <p:style>
+          <a:lnRef idx="2">
+            <a:schemeClr val="accent1">
+              <a:shade val="50000"/>
+            </a:schemeClr>
+          </a:lnRef>
+          <a:fillRef idx="1">
+            <a:schemeClr val="accent1"/>
+          </a:fillRef>
+          <a:effectRef idx="0">
+            <a:schemeClr val="accent1"/>
+          </a:effectRef>
+          <a:fontRef idx="minor">
+            <a:schemeClr val="lt1"/>
+          </a:fontRef>
+        </p:style>
+        <p:txBody>
+          <a:bodyPr rtlCol="0" anchor="ctr"/>
+          <a:lstStyle/>
+          <a:p>
+            <a:pPr algn="ctr"/>
+            <a:endParaRPr lang="en-CA" dirty="0"/>
+          </a:p>
+        </p:txBody>
+      </p:sp>
       <p:sp>
         <p:nvSpPr>
           <p:cNvPr id="17" name="Content Placeholder 2">
@@ -4905,7 +4909,7 @@
         </p:nvSpPr>
         <p:spPr>
           <a:xfrm>
-            <a:off x="494427" y="5642494"/>
+            <a:off x="494427" y="5780046"/>
             <a:ext cx="11203145" cy="1405964"/>
           </a:xfrm>
         </p:spPr>
@@ -4917,8 +4921,61 @@
           <a:p>
             <a:r>
               <a:rPr lang="en-CA" sz="2400" dirty="0"/>
-              <a:t>Rear-end collision is the most popular collision type. Right-angle collision and left-turn collision are also popular</a:t>
-            </a:r>
+              <a:t>Rear-end collision is the most </a:t>
+            </a:r>
+            <a:r>
+              <a:rPr lang="en-CA" sz="2400" dirty="0" smtClean="0"/>
+              <a:t>frequent </a:t>
+            </a:r>
+            <a:r>
+              <a:rPr lang="en-CA" sz="2400" dirty="0"/>
+              <a:t>collision </a:t>
+            </a:r>
+            <a:r>
+              <a:rPr lang="en-CA" sz="2400" dirty="0" smtClean="0"/>
+              <a:t>type followed by right-angle collision.</a:t>
+            </a:r>
+            <a:endParaRPr lang="en-CA" sz="2400" dirty="0"/>
+          </a:p>
+        </p:txBody>
+      </p:sp>
+      <p:sp>
+        <p:nvSpPr>
+          <p:cNvPr id="18" name="Right Arrow 17"/>
+          <p:cNvSpPr/>
+          <p:nvPr/>
+        </p:nvSpPr>
+        <p:spPr>
+          <a:xfrm rot="1433286">
+            <a:off x="6227953" y="2682095"/>
+            <a:ext cx="663992" cy="157483"/>
+          </a:xfrm>
+          <a:prstGeom prst="rightArrow">
+            <a:avLst/>
+          </a:prstGeom>
+        </p:spPr>
+        <p:style>
+          <a:lnRef idx="2">
+            <a:schemeClr val="accent1">
+              <a:shade val="50000"/>
+            </a:schemeClr>
+          </a:lnRef>
+          <a:fillRef idx="1">
+            <a:schemeClr val="accent1"/>
+          </a:fillRef>
+          <a:effectRef idx="0">
+            <a:schemeClr val="accent1"/>
+          </a:effectRef>
+          <a:fontRef idx="minor">
+            <a:schemeClr val="lt1"/>
+          </a:fontRef>
+        </p:style>
+        <p:txBody>
+          <a:bodyPr rtlCol="0" anchor="ctr"/>
+          <a:lstStyle/>
+          <a:p>
+            <a:pPr algn="ctr"/>
+            <a:endParaRPr lang="en-CA" dirty="0"/>
           </a:p>
         </p:txBody>
       </p:sp>
@@ -4932,6 +4989,412 @@
   <p:clrMapOvr>
     <a:masterClrMapping/>
   </p:clrMapOvr>
+  <p:timing>
+    <p:tnLst>
+      <p:par>
+        <p:cTn id="1" dur="indefinite" restart="never" nodeType="tmRoot">
+          <p:childTnLst>
+            <p:seq concurrent="1" nextAc="seek">
+              <p:cTn id="2" dur="indefinite" nodeType="mainSeq">
+                <p:childTnLst>
+                  <p:par>
+                    <p:cTn id="3" fill="hold">
+                      <p:stCondLst>
+                        <p:cond delay="indefinite"/>
+                      </p:stCondLst>
+                      <p:childTnLst>
+                        <p:par>
+                          <p:cTn id="4" fill="hold">
+                            <p:stCondLst>
+                              <p:cond delay="0"/>
+                            </p:stCondLst>
+                            <p:childTnLst>
+                              <p:par>
+                                <p:cTn id="5" presetID="22" presetClass="entr" presetSubtype="8" fill="hold" grpId="0" nodeType="clickEffect">
+                                  <p:stCondLst>
+                                    <p:cond delay="0"/>
+                                  </p:stCondLst>
+                                  <p:childTnLst>
+                                    <p:set>
+                                      <p:cBhvr>
+                                        <p:cTn id="6" dur="1" fill="hold">
+                                          <p:stCondLst>
+                                            <p:cond delay="0"/>
+                                          </p:stCondLst>
+                                        </p:cTn>
+                                        <p:tgtEl>
+                                          <p:spTgt spid="15"/>
+                                        </p:tgtEl>
+                                        <p:attrNameLst>
+                                          <p:attrName>style.visibility</p:attrName>
+                                        </p:attrNameLst>
+                                      </p:cBhvr>
+                                      <p:to>
+                                        <p:strVal val="visible"/>
+                                      </p:to>
+                                    </p:set>
+                                    <p:animEffect transition="in" filter="wipe(left)">
+                                      <p:cBhvr>
+                                        <p:cTn id="7" dur="500"/>
+                                        <p:tgtEl>
+                                          <p:spTgt spid="15"/>
+                                        </p:tgtEl>
+                                      </p:cBhvr>
+                                    </p:animEffect>
+                                  </p:childTnLst>
+                                </p:cTn>
+                              </p:par>
+                              <p:par>
+                                <p:cTn id="8" presetID="22" presetClass="entr" presetSubtype="8" fill="hold" grpId="0" nodeType="withEffect">
+                                  <p:stCondLst>
+                                    <p:cond delay="0"/>
+                                  </p:stCondLst>
+                                  <p:childTnLst>
+                                    <p:set>
+                                      <p:cBhvr>
+                                        <p:cTn id="9" dur="1" fill="hold">
+                                          <p:stCondLst>
+                                            <p:cond delay="0"/>
+                                          </p:stCondLst>
+                                        </p:cTn>
+                                        <p:tgtEl>
+                                          <p:spTgt spid="20"/>
+                                        </p:tgtEl>
+                                        <p:attrNameLst>
+                                          <p:attrName>style.visibility</p:attrName>
+                                        </p:attrNameLst>
+                                      </p:cBhvr>
+                                      <p:to>
+                                        <p:strVal val="visible"/>
+                                      </p:to>
+                                    </p:set>
+                                    <p:animEffect transition="in" filter="wipe(left)">
+                                      <p:cBhvr>
+                                        <p:cTn id="10" dur="500"/>
+                                        <p:tgtEl>
+                                          <p:spTgt spid="20"/>
+                                        </p:tgtEl>
+                                      </p:cBhvr>
+                                    </p:animEffect>
+                                  </p:childTnLst>
+                                </p:cTn>
+                              </p:par>
+                              <p:par>
+                                <p:cTn id="11" presetID="22" presetClass="entr" presetSubtype="8" fill="hold" grpId="0" nodeType="withEffect">
+                                  <p:stCondLst>
+                                    <p:cond delay="0"/>
+                                  </p:stCondLst>
+                                  <p:childTnLst>
+                                    <p:set>
+                                      <p:cBhvr>
+                                        <p:cTn id="12" dur="1" fill="hold">
+                                          <p:stCondLst>
+                                            <p:cond delay="0"/>
+                                          </p:stCondLst>
+                                        </p:cTn>
+                                        <p:tgtEl>
+                                          <p:spTgt spid="21"/>
+                                        </p:tgtEl>
+                                        <p:attrNameLst>
+                                          <p:attrName>style.visibility</p:attrName>
+                                        </p:attrNameLst>
+                                      </p:cBhvr>
+                                      <p:to>
+                                        <p:strVal val="visible"/>
+                                      </p:to>
+                                    </p:set>
+                                    <p:animEffect transition="in" filter="wipe(left)">
+                                      <p:cBhvr>
+                                        <p:cTn id="13" dur="500"/>
+                                        <p:tgtEl>
+                                          <p:spTgt spid="21"/>
+                                        </p:tgtEl>
+                                      </p:cBhvr>
+                                    </p:animEffect>
+                                  </p:childTnLst>
+                                </p:cTn>
+                              </p:par>
+                              <p:par>
+                                <p:cTn id="14" presetID="22" presetClass="entr" presetSubtype="8" fill="hold" grpId="0" nodeType="withEffect">
+                                  <p:stCondLst>
+                                    <p:cond delay="0"/>
+                                  </p:stCondLst>
+                                  <p:childTnLst>
+                                    <p:set>
+                                      <p:cBhvr>
+                                        <p:cTn id="15" dur="1" fill="hold">
+                                          <p:stCondLst>
+                                            <p:cond delay="0"/>
+                                          </p:stCondLst>
+                                        </p:cTn>
+                                        <p:tgtEl>
+                                          <p:spTgt spid="22"/>
+                                        </p:tgtEl>
+                                        <p:attrNameLst>
+                                          <p:attrName>style.visibility</p:attrName>
+                                        </p:attrNameLst>
+                                      </p:cBhvr>
+                                      <p:to>
+                                        <p:strVal val="visible"/>
+                                      </p:to>
+                                    </p:set>
+                                    <p:animEffect transition="in" filter="wipe(left)">
+                                      <p:cBhvr>
+                                        <p:cTn id="16" dur="500"/>
+                                        <p:tgtEl>
+                                          <p:spTgt spid="22"/>
+                                        </p:tgtEl>
+                                      </p:cBhvr>
+                                    </p:animEffect>
+                                  </p:childTnLst>
+                                </p:cTn>
+                              </p:par>
+                            </p:childTnLst>
+                          </p:cTn>
+                        </p:par>
+                      </p:childTnLst>
+                    </p:cTn>
+                  </p:par>
+                  <p:par>
+                    <p:cTn id="17" fill="hold">
+                      <p:stCondLst>
+                        <p:cond delay="indefinite"/>
+                      </p:stCondLst>
+                      <p:childTnLst>
+                        <p:par>
+                          <p:cTn id="18" fill="hold">
+                            <p:stCondLst>
+                              <p:cond delay="0"/>
+                            </p:stCondLst>
+                            <p:childTnLst>
+                              <p:par>
+                                <p:cTn id="19" presetID="1" presetClass="entr" presetSubtype="0" fill="hold" grpId="0" nodeType="clickEffect">
+                                  <p:stCondLst>
+                                    <p:cond delay="0"/>
+                                  </p:stCondLst>
+                                  <p:childTnLst>
+                                    <p:set>
+                                      <p:cBhvr>
+                                        <p:cTn id="20" dur="1" fill="hold">
+                                          <p:stCondLst>
+                                            <p:cond delay="0"/>
+                                          </p:stCondLst>
+                                        </p:cTn>
+                                        <p:tgtEl>
+                                          <p:spTgt spid="9"/>
+                                        </p:tgtEl>
+                                        <p:attrNameLst>
+                                          <p:attrName>style.visibility</p:attrName>
+                                        </p:attrNameLst>
+                                      </p:cBhvr>
+                                      <p:to>
+                                        <p:strVal val="visible"/>
+                                      </p:to>
+                                    </p:set>
+                                  </p:childTnLst>
+                                </p:cTn>
+                              </p:par>
+                            </p:childTnLst>
+                          </p:cTn>
+                        </p:par>
+                      </p:childTnLst>
+                    </p:cTn>
+                  </p:par>
+                  <p:par>
+                    <p:cTn id="21" fill="hold">
+                      <p:stCondLst>
+                        <p:cond delay="indefinite"/>
+                      </p:stCondLst>
+                      <p:childTnLst>
+                        <p:par>
+                          <p:cTn id="22" fill="hold">
+                            <p:stCondLst>
+                              <p:cond delay="0"/>
+                            </p:stCondLst>
+                            <p:childTnLst>
+                              <p:par>
+                                <p:cTn id="23" presetID="1" presetClass="entr" presetSubtype="0" fill="hold" grpId="0" nodeType="clickEffect">
+                                  <p:stCondLst>
+                                    <p:cond delay="0"/>
+                                  </p:stCondLst>
+                                  <p:childTnLst>
+                                    <p:set>
+                                      <p:cBhvr>
+                                        <p:cTn id="24" dur="1" fill="hold">
+                                          <p:stCondLst>
+                                            <p:cond delay="0"/>
+                                          </p:stCondLst>
+                                        </p:cTn>
+                                        <p:tgtEl>
+                                          <p:spTgt spid="18"/>
+                                        </p:tgtEl>
+                                        <p:attrNameLst>
+                                          <p:attrName>style.visibility</p:attrName>
+                                        </p:attrNameLst>
+                                      </p:cBhvr>
+                                      <p:to>
+                                        <p:strVal val="visible"/>
+                                      </p:to>
+                                    </p:set>
+                                  </p:childTnLst>
+                                </p:cTn>
+                              </p:par>
+                            </p:childTnLst>
+                          </p:cTn>
+                        </p:par>
+                      </p:childTnLst>
+                    </p:cTn>
+                  </p:par>
+                  <p:par>
+                    <p:cTn id="25" fill="hold">
+                      <p:stCondLst>
+                        <p:cond delay="indefinite"/>
+                      </p:stCondLst>
+                      <p:childTnLst>
+                        <p:par>
+                          <p:cTn id="26" fill="hold">
+                            <p:stCondLst>
+                              <p:cond delay="0"/>
+                            </p:stCondLst>
+                            <p:childTnLst>
+                              <p:par>
+                                <p:cTn id="27" presetID="1" presetClass="entr" presetSubtype="0" fill="hold" grpId="0" nodeType="clickEffect">
+                                  <p:stCondLst>
+                                    <p:cond delay="0"/>
+                                  </p:stCondLst>
+                                  <p:childTnLst>
+                                    <p:set>
+                                      <p:cBhvr>
+                                        <p:cTn id="28" dur="1" fill="hold">
+                                          <p:stCondLst>
+                                            <p:cond delay="0"/>
+                                          </p:stCondLst>
+                                        </p:cTn>
+                                        <p:tgtEl>
+                                          <p:spTgt spid="12"/>
+                                        </p:tgtEl>
+                                        <p:attrNameLst>
+                                          <p:attrName>style.visibility</p:attrName>
+                                        </p:attrNameLst>
+                                      </p:cBhvr>
+                                      <p:to>
+                                        <p:strVal val="visible"/>
+                                      </p:to>
+                                    </p:set>
+                                  </p:childTnLst>
+                                </p:cTn>
+                              </p:par>
+                            </p:childTnLst>
+                          </p:cTn>
+                        </p:par>
+                      </p:childTnLst>
+                    </p:cTn>
+                  </p:par>
+                  <p:par>
+                    <p:cTn id="29" fill="hold">
+                      <p:stCondLst>
+                        <p:cond delay="indefinite"/>
+                      </p:stCondLst>
+                      <p:childTnLst>
+                        <p:par>
+                          <p:cTn id="30" fill="hold">
+                            <p:stCondLst>
+                              <p:cond delay="0"/>
+                            </p:stCondLst>
+                            <p:childTnLst>
+                              <p:par>
+                                <p:cTn id="31" presetID="1" presetClass="entr" presetSubtype="0" fill="hold" grpId="0" nodeType="clickEffect">
+                                  <p:stCondLst>
+                                    <p:cond delay="0"/>
+                                  </p:stCondLst>
+                                  <p:childTnLst>
+                                    <p:set>
+                                      <p:cBhvr>
+                                        <p:cTn id="32" dur="1" fill="hold">
+                                          <p:stCondLst>
+                                            <p:cond delay="0"/>
+                                          </p:stCondLst>
+                                        </p:cTn>
+                                        <p:tgtEl>
+                                          <p:spTgt spid="16"/>
+                                        </p:tgtEl>
+                                        <p:attrNameLst>
+                                          <p:attrName>style.visibility</p:attrName>
+                                        </p:attrNameLst>
+                                      </p:cBhvr>
+                                      <p:to>
+                                        <p:strVal val="visible"/>
+                                      </p:to>
+                                    </p:set>
+                                  </p:childTnLst>
+                                </p:cTn>
+                              </p:par>
+                              <p:par>
+                                <p:cTn id="33" presetID="1" presetClass="entr" presetSubtype="0" fill="hold" grpId="0" nodeType="withEffect">
+                                  <p:stCondLst>
+                                    <p:cond delay="0"/>
+                                  </p:stCondLst>
+                                  <p:childTnLst>
+                                    <p:set>
+                                      <p:cBhvr>
+                                        <p:cTn id="34" dur="1" fill="hold">
+                                          <p:stCondLst>
+                                            <p:cond delay="0"/>
+                                          </p:stCondLst>
+                                        </p:cTn>
+                                        <p:tgtEl>
+                                          <p:spTgt spid="13"/>
+                                        </p:tgtEl>
+                                        <p:attrNameLst>
+                                          <p:attrName>style.visibility</p:attrName>
+                                        </p:attrNameLst>
+                                      </p:cBhvr>
+                                      <p:to>
+                                        <p:strVal val="visible"/>
+                                      </p:to>
+                                    </p:set>
+                                  </p:childTnLst>
+                                </p:cTn>
+                              </p:par>
+                            </p:childTnLst>
+                          </p:cTn>
+                        </p:par>
+                      </p:childTnLst>
+                    </p:cTn>
+                  </p:par>
+                </p:childTnLst>
+              </p:cTn>
+              <p:prevCondLst>
+                <p:cond evt="onPrev" delay="0">
+                  <p:tgtEl>
+                    <p:sldTgt/>
+                  </p:tgtEl>
+                </p:cond>
+              </p:prevCondLst>
+              <p:nextCondLst>
+                <p:cond evt="onNext" delay="0">
+                  <p:tgtEl>
+                    <p:sldTgt/>
+                  </p:tgtEl>
+                </p:cond>
+              </p:nextCondLst>
+            </p:seq>
+          </p:childTnLst>
+        </p:cTn>
+      </p:par>
+    </p:tnLst>
+    <p:bldLst>
+      <p:bldP spid="9" grpId="0" animBg="1"/>
+      <p:bldP spid="12" grpId="0" animBg="1"/>
+      <p:bldP spid="13" grpId="0" animBg="1"/>
+      <p:bldP spid="15" grpId="0" animBg="1"/>
+      <p:bldP spid="16" grpId="0" animBg="1"/>
+      <p:bldP spid="20" grpId="0" animBg="1"/>
+      <p:bldP spid="21" grpId="0" animBg="1"/>
+      <p:bldP spid="22" grpId="0" animBg="1"/>
+      <p:bldP spid="18" grpId="0" animBg="1"/>
+    </p:bldLst>
+  </p:timing>
 </p:sld>
 </file>
 
@@ -4975,7 +5438,7 @@
           <a:p>
             <a:fld id="{8C0E54EA-8D4C-4FED-9507-2FCA8636D5A2}" type="datetime1">
               <a:rPr lang="en-CA" smtClean="0"/>
-              <a:t>2018-04-12</a:t>
+              <a:t>13/04/2018</a:t>
             </a:fld>
             <a:endParaRPr lang="en-CA" dirty="0"/>
           </a:p>
@@ -5072,245 +5535,224 @@
           </a:p>
         </p:txBody>
       </p:sp>
-      <p:grpSp>
-        <p:nvGrpSpPr>
-          <p:cNvPr id="2" name="Group 1">
+      <p:pic>
+        <p:nvPicPr>
+          <p:cNvPr id="8194" name="Picture 2" descr="https://raw.githubusercontent.com/rynho/3250-G3/master/plots/Ryan/R3.1_2.png">
             <a:extLst>
               <a:ext uri="{FF2B5EF4-FFF2-40B4-BE49-F238E27FC236}">
-                <a16:creationId xmlns:a16="http://schemas.microsoft.com/office/drawing/2014/main" id="{D2093110-070F-4B5A-B10F-3F0D250E37D2}"/>
+                <a16:creationId xmlns:a16="http://schemas.microsoft.com/office/drawing/2014/main" id="{230C1236-6B67-4146-A0C2-1C56D0201A0E}"/>
               </a:ext>
             </a:extLst>
           </p:cNvPr>
+          <p:cNvPicPr>
+            <a:picLocks noChangeAspect="1" noChangeArrowheads="1"/>
+          </p:cNvPicPr>
+          <p:nvPr/>
+        </p:nvPicPr>
+        <p:blipFill>
+          <a:blip r:embed="rId2">
+            <a:extLst>
+              <a:ext uri="{28A0092B-C50C-407E-A947-70E740481C1C}">
+                <a14:useLocalDpi xmlns:a14="http://schemas.microsoft.com/office/drawing/2010/main" val="0"/>
+              </a:ext>
+            </a:extLst>
+          </a:blip>
+          <a:srcRect/>
+          <a:stretch>
+            <a:fillRect/>
+          </a:stretch>
+        </p:blipFill>
+        <p:spPr bwMode="auto">
+          <a:xfrm>
+            <a:off x="1234155" y="1984540"/>
+            <a:ext cx="9122443" cy="3397957"/>
+          </a:xfrm>
+          <a:prstGeom prst="rect">
+            <a:avLst/>
+          </a:prstGeom>
+          <a:noFill/>
+          <a:extLst>
+            <a:ext uri="{909E8E84-426E-40DD-AFC4-6F175D3DCCD1}">
+              <a14:hiddenFill xmlns:a14="http://schemas.microsoft.com/office/drawing/2010/main">
+                <a:solidFill>
+                  <a:srgbClr val="FFFFFF"/>
+                </a:solidFill>
+              </a14:hiddenFill>
+            </a:ext>
+          </a:extLst>
+        </p:spPr>
+      </p:pic>
+      <p:grpSp>
+        <p:nvGrpSpPr>
+          <p:cNvPr id="15" name="Group 14"/>
           <p:cNvGrpSpPr/>
           <p:nvPr/>
         </p:nvGrpSpPr>
         <p:grpSpPr>
           <a:xfrm>
-            <a:off x="1234155" y="1717836"/>
-            <a:ext cx="9122443" cy="3664661"/>
-            <a:chOff x="1414778" y="1968492"/>
-            <a:chExt cx="9122443" cy="3664661"/>
+            <a:off x="1927577" y="1717836"/>
+            <a:ext cx="1384300" cy="3517904"/>
+            <a:chOff x="2108200" y="1968492"/>
+            <a:chExt cx="1384300" cy="3517904"/>
           </a:xfrm>
         </p:grpSpPr>
-        <p:pic>
-          <p:nvPicPr>
-            <p:cNvPr id="8194" name="Picture 2" descr="https://raw.githubusercontent.com/rynho/3250-G3/master/plots/Ryan/R3.1_2.png">
-              <a:extLst>
-                <a:ext uri="{FF2B5EF4-FFF2-40B4-BE49-F238E27FC236}">
-                  <a16:creationId xmlns:a16="http://schemas.microsoft.com/office/drawing/2014/main" id="{230C1236-6B67-4146-A0C2-1C56D0201A0E}"/>
-                </a:ext>
-              </a:extLst>
-            </p:cNvPr>
-            <p:cNvPicPr>
-              <a:picLocks noChangeAspect="1" noChangeArrowheads="1"/>
-            </p:cNvPicPr>
+        <p:cxnSp>
+          <p:nvCxnSpPr>
+            <p:cNvPr id="12" name="Straight Connector 11"/>
+            <p:cNvCxnSpPr/>
             <p:nvPr/>
-          </p:nvPicPr>
-          <p:blipFill>
-            <a:blip r:embed="rId2">
-              <a:extLst>
-                <a:ext uri="{28A0092B-C50C-407E-A947-70E740481C1C}">
-                  <a14:useLocalDpi xmlns:a14="http://schemas.microsoft.com/office/drawing/2010/main" val="0"/>
-                </a:ext>
-              </a:extLst>
-            </a:blip>
-            <a:srcRect/>
-            <a:stretch>
-              <a:fillRect/>
-            </a:stretch>
-          </p:blipFill>
-          <p:spPr bwMode="auto">
+          </p:nvCxnSpPr>
+          <p:spPr>
             <a:xfrm>
-              <a:off x="1414778" y="2235196"/>
-              <a:ext cx="9122443" cy="3397957"/>
+              <a:off x="2806700" y="1968492"/>
+              <a:ext cx="0" cy="3517904"/>
             </a:xfrm>
-            <a:prstGeom prst="rect">
+            <a:prstGeom prst="line">
               <a:avLst/>
             </a:prstGeom>
-            <a:noFill/>
-            <a:extLst>
-              <a:ext uri="{909E8E84-426E-40DD-AFC4-6F175D3DCCD1}">
-                <a14:hiddenFill xmlns:a14="http://schemas.microsoft.com/office/drawing/2010/main">
-                  <a:solidFill>
-                    <a:srgbClr val="FFFFFF"/>
-                  </a:solidFill>
-                </a14:hiddenFill>
-              </a:ext>
-            </a:extLst>
+            <a:ln w="19050">
+              <a:solidFill>
+                <a:srgbClr val="000000">
+                  <a:alpha val="63137"/>
+                </a:srgbClr>
+              </a:solidFill>
+              <a:prstDash val="dashDot"/>
+            </a:ln>
           </p:spPr>
-        </p:pic>
-        <p:grpSp>
-          <p:nvGrpSpPr>
-            <p:cNvPr id="15" name="Group 14"/>
-            <p:cNvGrpSpPr/>
+          <p:style>
+            <a:lnRef idx="1">
+              <a:schemeClr val="dk1"/>
+            </a:lnRef>
+            <a:fillRef idx="0">
+              <a:schemeClr val="dk1"/>
+            </a:fillRef>
+            <a:effectRef idx="0">
+              <a:schemeClr val="dk1"/>
+            </a:effectRef>
+            <a:fontRef idx="minor">
+              <a:schemeClr val="tx1"/>
+            </a:fontRef>
+          </p:style>
+        </p:cxnSp>
+        <p:cxnSp>
+          <p:nvCxnSpPr>
+            <p:cNvPr id="14" name="Straight Connector 13"/>
+            <p:cNvCxnSpPr/>
             <p:nvPr/>
-          </p:nvGrpSpPr>
-          <p:grpSpPr>
+          </p:nvCxnSpPr>
+          <p:spPr>
             <a:xfrm>
-              <a:off x="2108200" y="1968492"/>
-              <a:ext cx="1384300" cy="3517904"/>
-              <a:chOff x="2108200" y="1968492"/>
-              <a:chExt cx="1384300" cy="3517904"/>
+              <a:off x="2108200" y="2578100"/>
+              <a:ext cx="1384300" cy="0"/>
             </a:xfrm>
-          </p:grpSpPr>
-          <p:cxnSp>
-            <p:nvCxnSpPr>
-              <p:cNvPr id="12" name="Straight Connector 11"/>
-              <p:cNvCxnSpPr/>
-              <p:nvPr/>
-            </p:nvCxnSpPr>
-            <p:spPr>
-              <a:xfrm>
-                <a:off x="2806700" y="1968492"/>
-                <a:ext cx="0" cy="3517904"/>
-              </a:xfrm>
-              <a:prstGeom prst="line">
-                <a:avLst/>
-              </a:prstGeom>
-              <a:ln w="19050">
-                <a:solidFill>
-                  <a:srgbClr val="000000">
-                    <a:alpha val="63137"/>
-                  </a:srgbClr>
-                </a:solidFill>
-                <a:prstDash val="dashDot"/>
-              </a:ln>
-            </p:spPr>
-            <p:style>
-              <a:lnRef idx="1">
-                <a:schemeClr val="dk1"/>
-              </a:lnRef>
-              <a:fillRef idx="0">
-                <a:schemeClr val="dk1"/>
-              </a:fillRef>
-              <a:effectRef idx="0">
-                <a:schemeClr val="dk1"/>
-              </a:effectRef>
-              <a:fontRef idx="minor">
-                <a:schemeClr val="tx1"/>
-              </a:fontRef>
-            </p:style>
-          </p:cxnSp>
-          <p:cxnSp>
-            <p:nvCxnSpPr>
-              <p:cNvPr id="14" name="Straight Connector 13"/>
-              <p:cNvCxnSpPr/>
-              <p:nvPr/>
-            </p:nvCxnSpPr>
-            <p:spPr>
-              <a:xfrm>
-                <a:off x="2108200" y="2578100"/>
-                <a:ext cx="1384300" cy="0"/>
-              </a:xfrm>
-              <a:prstGeom prst="line">
-                <a:avLst/>
-              </a:prstGeom>
-              <a:ln w="19050">
-                <a:prstDash val="solid"/>
-              </a:ln>
-            </p:spPr>
-            <p:style>
-              <a:lnRef idx="1">
-                <a:schemeClr val="dk1"/>
-              </a:lnRef>
-              <a:fillRef idx="0">
-                <a:schemeClr val="dk1"/>
-              </a:fillRef>
-              <a:effectRef idx="0">
-                <a:schemeClr val="dk1"/>
-              </a:effectRef>
-              <a:fontRef idx="minor">
-                <a:schemeClr val="tx1"/>
-              </a:fontRef>
-            </p:style>
-          </p:cxnSp>
-        </p:grpSp>
-        <p:grpSp>
-          <p:nvGrpSpPr>
-            <p:cNvPr id="17" name="Group 16"/>
-            <p:cNvGrpSpPr/>
+            <a:prstGeom prst="line">
+              <a:avLst/>
+            </a:prstGeom>
+            <a:ln w="19050">
+              <a:prstDash val="solid"/>
+            </a:ln>
+          </p:spPr>
+          <p:style>
+            <a:lnRef idx="1">
+              <a:schemeClr val="dk1"/>
+            </a:lnRef>
+            <a:fillRef idx="0">
+              <a:schemeClr val="dk1"/>
+            </a:fillRef>
+            <a:effectRef idx="0">
+              <a:schemeClr val="dk1"/>
+            </a:effectRef>
+            <a:fontRef idx="minor">
+              <a:schemeClr val="tx1"/>
+            </a:fontRef>
+          </p:style>
+        </p:cxnSp>
+      </p:grpSp>
+      <p:grpSp>
+        <p:nvGrpSpPr>
+          <p:cNvPr id="17" name="Group 16"/>
+          <p:cNvGrpSpPr/>
+          <p:nvPr/>
+        </p:nvGrpSpPr>
+        <p:grpSpPr>
+          <a:xfrm>
+            <a:off x="7109177" y="1781336"/>
+            <a:ext cx="1384300" cy="3517904"/>
+            <a:chOff x="2108200" y="1968492"/>
+            <a:chExt cx="1384300" cy="3517904"/>
+          </a:xfrm>
+        </p:grpSpPr>
+        <p:cxnSp>
+          <p:nvCxnSpPr>
+            <p:cNvPr id="18" name="Straight Connector 17"/>
+            <p:cNvCxnSpPr/>
             <p:nvPr/>
-          </p:nvGrpSpPr>
-          <p:grpSpPr>
+          </p:nvCxnSpPr>
+          <p:spPr>
             <a:xfrm>
-              <a:off x="7289800" y="2031992"/>
-              <a:ext cx="1384300" cy="3517904"/>
-              <a:chOff x="2108200" y="1968492"/>
-              <a:chExt cx="1384300" cy="3517904"/>
+              <a:off x="2806700" y="1968492"/>
+              <a:ext cx="0" cy="3517904"/>
             </a:xfrm>
-          </p:grpSpPr>
-          <p:cxnSp>
-            <p:nvCxnSpPr>
-              <p:cNvPr id="18" name="Straight Connector 17"/>
-              <p:cNvCxnSpPr/>
-              <p:nvPr/>
-            </p:nvCxnSpPr>
-            <p:spPr>
-              <a:xfrm>
-                <a:off x="2806700" y="1968492"/>
-                <a:ext cx="0" cy="3517904"/>
-              </a:xfrm>
-              <a:prstGeom prst="line">
-                <a:avLst/>
-              </a:prstGeom>
-              <a:ln w="19050">
-                <a:solidFill>
-                  <a:srgbClr val="000000">
-                    <a:alpha val="63137"/>
-                  </a:srgbClr>
-                </a:solidFill>
-                <a:prstDash val="dashDot"/>
-              </a:ln>
-            </p:spPr>
-            <p:style>
-              <a:lnRef idx="1">
-                <a:schemeClr val="dk1"/>
-              </a:lnRef>
-              <a:fillRef idx="0">
-                <a:schemeClr val="dk1"/>
-              </a:fillRef>
-              <a:effectRef idx="0">
-                <a:schemeClr val="dk1"/>
-              </a:effectRef>
-              <a:fontRef idx="minor">
-                <a:schemeClr val="tx1"/>
-              </a:fontRef>
-            </p:style>
-          </p:cxnSp>
-          <p:cxnSp>
-            <p:nvCxnSpPr>
-              <p:cNvPr id="19" name="Straight Connector 18"/>
-              <p:cNvCxnSpPr/>
-              <p:nvPr/>
-            </p:nvCxnSpPr>
-            <p:spPr>
-              <a:xfrm>
-                <a:off x="2108200" y="2578100"/>
-                <a:ext cx="1384300" cy="0"/>
-              </a:xfrm>
-              <a:prstGeom prst="line">
-                <a:avLst/>
-              </a:prstGeom>
-              <a:ln w="19050">
-                <a:prstDash val="solid"/>
-              </a:ln>
-            </p:spPr>
-            <p:style>
-              <a:lnRef idx="1">
-                <a:schemeClr val="dk1"/>
-              </a:lnRef>
-              <a:fillRef idx="0">
-                <a:schemeClr val="dk1"/>
-              </a:fillRef>
-              <a:effectRef idx="0">
-                <a:schemeClr val="dk1"/>
-              </a:effectRef>
-              <a:fontRef idx="minor">
-                <a:schemeClr val="tx1"/>
-              </a:fontRef>
-            </p:style>
-          </p:cxnSp>
-        </p:grpSp>
+            <a:prstGeom prst="line">
+              <a:avLst/>
+            </a:prstGeom>
+            <a:ln w="19050">
+              <a:solidFill>
+                <a:srgbClr val="000000">
+                  <a:alpha val="63137"/>
+                </a:srgbClr>
+              </a:solidFill>
+              <a:prstDash val="dashDot"/>
+            </a:ln>
+          </p:spPr>
+          <p:style>
+            <a:lnRef idx="1">
+              <a:schemeClr val="dk1"/>
+            </a:lnRef>
+            <a:fillRef idx="0">
+              <a:schemeClr val="dk1"/>
+            </a:fillRef>
+            <a:effectRef idx="0">
+              <a:schemeClr val="dk1"/>
+            </a:effectRef>
+            <a:fontRef idx="minor">
+              <a:schemeClr val="tx1"/>
+            </a:fontRef>
+          </p:style>
+        </p:cxnSp>
+        <p:cxnSp>
+          <p:nvCxnSpPr>
+            <p:cNvPr id="19" name="Straight Connector 18"/>
+            <p:cNvCxnSpPr/>
+            <p:nvPr/>
+          </p:nvCxnSpPr>
+          <p:spPr>
+            <a:xfrm>
+              <a:off x="2108200" y="2578100"/>
+              <a:ext cx="1384300" cy="0"/>
+            </a:xfrm>
+            <a:prstGeom prst="line">
+              <a:avLst/>
+            </a:prstGeom>
+            <a:ln w="19050">
+              <a:prstDash val="solid"/>
+            </a:ln>
+          </p:spPr>
+          <p:style>
+            <a:lnRef idx="1">
+              <a:schemeClr val="dk1"/>
+            </a:lnRef>
+            <a:fillRef idx="0">
+              <a:schemeClr val="dk1"/>
+            </a:fillRef>
+            <a:effectRef idx="0">
+              <a:schemeClr val="dk1"/>
+            </a:effectRef>
+            <a:fontRef idx="minor">
+              <a:schemeClr val="tx1"/>
+            </a:fontRef>
+          </p:style>
+        </p:cxnSp>
       </p:grpSp>
       <p:sp>
         <p:nvSpPr>
@@ -5330,7 +5772,7 @@
         </p:nvSpPr>
         <p:spPr>
           <a:xfrm>
-            <a:off x="494427" y="5687650"/>
+            <a:off x="576000" y="5473244"/>
             <a:ext cx="11203145" cy="464799"/>
           </a:xfrm>
         </p:spPr>
@@ -5341,17 +5783,26 @@
           <a:lstStyle/>
           <a:p>
             <a:r>
+              <a:rPr lang="en-CA" sz="2400" dirty="0" smtClean="0"/>
+              <a:t>The </a:t>
+            </a:r>
+            <a:r>
               <a:rPr lang="en-CA" sz="2400" dirty="0"/>
-              <a:t>As the collision rate peaks in a vehicle model’s 10</a:t>
-            </a:r>
-            <a:r>
-              <a:rPr lang="en-CA" sz="2400" baseline="30000" dirty="0"/>
+              <a:t>collision rate </a:t>
+            </a:r>
+            <a:r>
+              <a:rPr lang="en-CA" sz="2400" dirty="0" smtClean="0"/>
+              <a:t>for vehicle models peaks in their 10</a:t>
+            </a:r>
+            <a:r>
+              <a:rPr lang="en-CA" sz="2400" baseline="30000" dirty="0" smtClean="0"/>
               <a:t>th</a:t>
             </a:r>
             <a:r>
-              <a:rPr lang="en-CA" sz="2400" dirty="0"/>
-              <a:t> year</a:t>
-            </a:r>
+              <a:rPr lang="en-CA" sz="2400" dirty="0" smtClean="0"/>
+              <a:t> year.</a:t>
+            </a:r>
+            <a:endParaRPr lang="en-CA" sz="2400" dirty="0"/>
           </a:p>
         </p:txBody>
       </p:sp>
@@ -5365,6 +5816,124 @@
   <p:clrMapOvr>
     <a:masterClrMapping/>
   </p:clrMapOvr>
+  <p:timing>
+    <p:tnLst>
+      <p:par>
+        <p:cTn id="1" dur="indefinite" restart="never" nodeType="tmRoot">
+          <p:childTnLst>
+            <p:seq concurrent="1" nextAc="seek">
+              <p:cTn id="2" dur="indefinite" nodeType="mainSeq">
+                <p:childTnLst>
+                  <p:par>
+                    <p:cTn id="3" fill="hold">
+                      <p:stCondLst>
+                        <p:cond delay="indefinite"/>
+                      </p:stCondLst>
+                      <p:childTnLst>
+                        <p:par>
+                          <p:cTn id="4" fill="hold">
+                            <p:stCondLst>
+                              <p:cond delay="0"/>
+                            </p:stCondLst>
+                            <p:childTnLst>
+                              <p:par>
+                                <p:cTn id="5" presetID="22" presetClass="entr" presetSubtype="4" fill="hold" nodeType="clickEffect">
+                                  <p:stCondLst>
+                                    <p:cond delay="0"/>
+                                  </p:stCondLst>
+                                  <p:childTnLst>
+                                    <p:set>
+                                      <p:cBhvr>
+                                        <p:cTn id="6" dur="1" fill="hold">
+                                          <p:stCondLst>
+                                            <p:cond delay="0"/>
+                                          </p:stCondLst>
+                                        </p:cTn>
+                                        <p:tgtEl>
+                                          <p:spTgt spid="15"/>
+                                        </p:tgtEl>
+                                        <p:attrNameLst>
+                                          <p:attrName>style.visibility</p:attrName>
+                                        </p:attrNameLst>
+                                      </p:cBhvr>
+                                      <p:to>
+                                        <p:strVal val="visible"/>
+                                      </p:to>
+                                    </p:set>
+                                    <p:animEffect transition="in" filter="wipe(down)">
+                                      <p:cBhvr>
+                                        <p:cTn id="7" dur="500"/>
+                                        <p:tgtEl>
+                                          <p:spTgt spid="15"/>
+                                        </p:tgtEl>
+                                      </p:cBhvr>
+                                    </p:animEffect>
+                                  </p:childTnLst>
+                                </p:cTn>
+                              </p:par>
+                              <p:par>
+                                <p:cTn id="8" presetID="22" presetClass="entr" presetSubtype="4" fill="hold" nodeType="withEffect">
+                                  <p:stCondLst>
+                                    <p:cond delay="0"/>
+                                  </p:stCondLst>
+                                  <p:childTnLst>
+                                    <p:set>
+                                      <p:cBhvr>
+                                        <p:cTn id="9" dur="1" fill="hold">
+                                          <p:stCondLst>
+                                            <p:cond delay="0"/>
+                                          </p:stCondLst>
+                                        </p:cTn>
+                                        <p:tgtEl>
+                                          <p:spTgt spid="17"/>
+                                        </p:tgtEl>
+                                        <p:attrNameLst>
+                                          <p:attrName>style.visibility</p:attrName>
+                                        </p:attrNameLst>
+                                      </p:cBhvr>
+                                      <p:to>
+                                        <p:strVal val="visible"/>
+                                      </p:to>
+                                    </p:set>
+                                    <p:animEffect transition="in" filter="wipe(down)">
+                                      <p:cBhvr>
+                                        <p:cTn id="10" dur="500"/>
+                                        <p:tgtEl>
+                                          <p:spTgt spid="17"/>
+                                        </p:tgtEl>
+                                      </p:cBhvr>
+                                    </p:animEffect>
+                                  </p:childTnLst>
+                                </p:cTn>
+                              </p:par>
+                            </p:childTnLst>
+                          </p:cTn>
+                        </p:par>
+                      </p:childTnLst>
+                    </p:cTn>
+                  </p:par>
+                </p:childTnLst>
+              </p:cTn>
+              <p:prevCondLst>
+                <p:cond evt="onPrev" delay="0">
+                  <p:tgtEl>
+                    <p:sldTgt/>
+                  </p:tgtEl>
+                </p:cond>
+              </p:prevCondLst>
+              <p:nextCondLst>
+                <p:cond evt="onNext" delay="0">
+                  <p:tgtEl>
+                    <p:sldTgt/>
+                  </p:tgtEl>
+                </p:cond>
+              </p:nextCondLst>
+            </p:seq>
+          </p:childTnLst>
+        </p:cTn>
+      </p:par>
+    </p:tnLst>
+  </p:timing>
 </p:sld>
 </file>
 
@@ -5408,7 +5977,7 @@
           <a:p>
             <a:fld id="{8C0E54EA-8D4C-4FED-9507-2FCA8636D5A2}" type="datetime1">
               <a:rPr lang="en-CA" smtClean="0"/>
-              <a:t>2018-04-12</a:t>
+              <a:t>13/04/2018</a:t>
             </a:fld>
             <a:endParaRPr lang="en-CA" dirty="0"/>
           </a:p>
@@ -5612,7 +6181,7 @@
         </p:nvSpPr>
         <p:spPr>
           <a:xfrm>
-            <a:off x="494427" y="5586049"/>
+            <a:off x="494427" y="5428003"/>
             <a:ext cx="11203145" cy="954350"/>
           </a:xfrm>
         </p:spPr>
@@ -5624,9 +6193,19 @@
           <a:p>
             <a:r>
               <a:rPr lang="en-US" sz="2400" dirty="0"/>
-              <a:t>Female is more likely to injure in an accident. However, men are more likely being involved in a fatal accident. </a:t>
-            </a:r>
-            <a:endParaRPr lang="en-CA" sz="2400" dirty="0"/>
+              <a:t>Females are more likely to get injured in an accident. </a:t>
+            </a:r>
+          </a:p>
+          <a:p>
+            <a:r>
+              <a:rPr lang="en-US" sz="2400" dirty="0" smtClean="0"/>
+              <a:t>Males </a:t>
+            </a:r>
+            <a:r>
+              <a:rPr lang="en-US" sz="2400" dirty="0"/>
+              <a:t>are more likely to be involved in fatal accidents. </a:t>
+            </a:r>
+            <a:endParaRPr lang="en-CA" sz="2400" dirty="0" smtClean="0"/>
           </a:p>
         </p:txBody>
       </p:sp>
@@ -5640,6 +6219,13 @@
   <p:clrMapOvr>
     <a:masterClrMapping/>
   </p:clrMapOvr>
+  <p:timing>
+    <p:tnLst>
+      <p:par>
+        <p:cTn id="1" dur="indefinite" restart="never" nodeType="tmRoot"/>
+      </p:par>
+    </p:tnLst>
+  </p:timing>
 </p:sld>
 </file>
 
@@ -5683,7 +6269,7 @@
           <a:p>
             <a:fld id="{8C0E54EA-8D4C-4FED-9507-2FCA8636D5A2}" type="datetime1">
               <a:rPr lang="en-CA" smtClean="0"/>
-              <a:t>2018-04-12</a:t>
+              <a:t>13/04/2018</a:t>
             </a:fld>
             <a:endParaRPr lang="en-CA" dirty="0"/>
           </a:p>
@@ -5845,8 +6431,26 @@
           <a:lstStyle/>
           <a:p>
             <a:r>
+              <a:rPr lang="en-CA" sz="2400" dirty="0" smtClean="0"/>
+              <a:t>People aged from </a:t>
+            </a:r>
+            <a:r>
               <a:rPr lang="en-CA" sz="2400" dirty="0"/>
-              <a:t>The most dangerous population is from 21 to 30 years old, called young adults, and the in-accident probabilities decreases with age increases.</a:t>
+              <a:t>21 to </a:t>
+            </a:r>
+            <a:r>
+              <a:rPr lang="en-CA" sz="2400" dirty="0" smtClean="0"/>
+              <a:t>30 are most prone to accidents.</a:t>
+            </a:r>
+          </a:p>
+          <a:p>
+            <a:r>
+              <a:rPr lang="en-CA" sz="2400" dirty="0" smtClean="0"/>
+              <a:t>Probability of accidents decreases while age </a:t>
+            </a:r>
+            <a:r>
+              <a:rPr lang="en-CA" sz="2400" dirty="0"/>
+              <a:t>increases.</a:t>
             </a:r>
           </a:p>
         </p:txBody>
@@ -5861,6 +6465,13 @@
   <p:clrMapOvr>
     <a:masterClrMapping/>
   </p:clrMapOvr>
+  <p:timing>
+    <p:tnLst>
+      <p:par>
+        <p:cTn id="1" dur="indefinite" restart="never" nodeType="tmRoot"/>
+      </p:par>
+    </p:tnLst>
+  </p:timing>
 </p:sld>
 </file>
 
@@ -5904,7 +6515,7 @@
           <a:p>
             <a:fld id="{8C0E54EA-8D4C-4FED-9507-2FCA8636D5A2}" type="datetime1">
               <a:rPr lang="en-CA" smtClean="0"/>
-              <a:t>2018-04-12</a:t>
+              <a:t>13/04/2018</a:t>
             </a:fld>
             <a:endParaRPr lang="en-CA" dirty="0"/>
           </a:p>
@@ -6001,99 +6612,6 @@
           </a:p>
         </p:txBody>
       </p:sp>
-      <p:grpSp>
-        <p:nvGrpSpPr>
-          <p:cNvPr id="14" name="Group 13">
-            <a:extLst>
-              <a:ext uri="{FF2B5EF4-FFF2-40B4-BE49-F238E27FC236}">
-                <a16:creationId xmlns:a16="http://schemas.microsoft.com/office/drawing/2014/main" id="{E4C0819B-A099-4C03-AC63-7758A79DD06B}"/>
-              </a:ext>
-            </a:extLst>
-          </p:cNvPr>
-          <p:cNvGrpSpPr/>
-          <p:nvPr/>
-        </p:nvGrpSpPr>
-        <p:grpSpPr>
-          <a:xfrm>
-            <a:off x="576000" y="1563075"/>
-            <a:ext cx="10920204" cy="3569861"/>
-            <a:chOff x="219001" y="2022851"/>
-            <a:chExt cx="11753998" cy="3886376"/>
-          </a:xfrm>
-        </p:grpSpPr>
-        <p:pic>
-          <p:nvPicPr>
-            <p:cNvPr id="9" name="Picture 8">
-              <a:extLst>
-                <a:ext uri="{FF2B5EF4-FFF2-40B4-BE49-F238E27FC236}">
-                  <a16:creationId xmlns:a16="http://schemas.microsoft.com/office/drawing/2014/main" id="{9C5CE6DC-686B-496C-9E7B-BE0B8428E99F}"/>
-                </a:ext>
-              </a:extLst>
-            </p:cNvPr>
-            <p:cNvPicPr>
-              <a:picLocks noChangeAspect="1"/>
-            </p:cNvPicPr>
-            <p:nvPr/>
-          </p:nvPicPr>
-          <p:blipFill>
-            <a:blip r:embed="rId2">
-              <a:extLst>
-                <a:ext uri="{28A0092B-C50C-407E-A947-70E740481C1C}">
-                  <a14:useLocalDpi xmlns:a14="http://schemas.microsoft.com/office/drawing/2010/main" val="0"/>
-                </a:ext>
-              </a:extLst>
-            </a:blip>
-            <a:stretch>
-              <a:fillRect/>
-            </a:stretch>
-          </p:blipFill>
-          <p:spPr>
-            <a:xfrm>
-              <a:off x="219001" y="2022851"/>
-              <a:ext cx="6010461" cy="3886376"/>
-            </a:xfrm>
-            <a:prstGeom prst="rect">
-              <a:avLst/>
-            </a:prstGeom>
-          </p:spPr>
-        </p:pic>
-        <p:pic>
-          <p:nvPicPr>
-            <p:cNvPr id="11" name="Picture 10">
-              <a:extLst>
-                <a:ext uri="{FF2B5EF4-FFF2-40B4-BE49-F238E27FC236}">
-                  <a16:creationId xmlns:a16="http://schemas.microsoft.com/office/drawing/2014/main" id="{8A4CC678-8FF2-459E-ACBD-F5EBC898E7CA}"/>
-                </a:ext>
-              </a:extLst>
-            </p:cNvPr>
-            <p:cNvPicPr>
-              <a:picLocks noChangeAspect="1"/>
-            </p:cNvPicPr>
-            <p:nvPr/>
-          </p:nvPicPr>
-          <p:blipFill>
-            <a:blip r:embed="rId3">
-              <a:extLst>
-                <a:ext uri="{28A0092B-C50C-407E-A947-70E740481C1C}">
-                  <a14:useLocalDpi xmlns:a14="http://schemas.microsoft.com/office/drawing/2010/main" val="0"/>
-                </a:ext>
-              </a:extLst>
-            </a:blip>
-            <a:stretch>
-              <a:fillRect/>
-            </a:stretch>
-          </p:blipFill>
-          <p:spPr>
-            <a:xfrm>
-              <a:off x="6254307" y="2022851"/>
-              <a:ext cx="5718692" cy="3886376"/>
-            </a:xfrm>
-            <a:prstGeom prst="rect">
-              <a:avLst/>
-            </a:prstGeom>
-          </p:spPr>
-        </p:pic>
-      </p:grpSp>
       <p:sp>
         <p:nvSpPr>
           <p:cNvPr id="10" name="Content Placeholder 2">
@@ -6113,7 +6631,7 @@
         <p:spPr>
           <a:xfrm>
             <a:off x="494427" y="5190934"/>
-            <a:ext cx="11203145" cy="1296000"/>
+            <a:ext cx="11203145" cy="1165416"/>
           </a:xfrm>
         </p:spPr>
         <p:txBody>
@@ -6124,15 +6642,40 @@
           <a:p>
             <a:pPr lvl="0"/>
             <a:r>
+              <a:rPr lang="en-CA" sz="2400" dirty="0" smtClean="0"/>
+              <a:t>Drivers are </a:t>
+            </a:r>
+            <a:r>
               <a:rPr lang="en-CA" sz="2400" dirty="0"/>
-              <a:t>The major road user class involved in an accident is drivers, they are twice likely to get hurt or die than passengers.</a:t>
-            </a:r>
-          </a:p>
-          <a:p>
+              <a:t>twice </a:t>
+            </a:r>
+            <a:r>
+              <a:rPr lang="en-CA" sz="2400" dirty="0" smtClean="0"/>
+              <a:t>as likely </a:t>
+            </a:r>
             <a:r>
               <a:rPr lang="en-CA" sz="2400" dirty="0"/>
-              <a:t>Bicyclists are the safest, because of the lowest injuries and deaths.</a:t>
-            </a:r>
+              <a:t>to get hurt or die than </a:t>
+            </a:r>
+            <a:r>
+              <a:rPr lang="en-CA" sz="2400" dirty="0" smtClean="0"/>
+              <a:t>that of passengers</a:t>
+            </a:r>
+            <a:r>
+              <a:rPr lang="en-CA" sz="2400" dirty="0"/>
+              <a:t>.</a:t>
+            </a:r>
+          </a:p>
+          <a:p>
+            <a:r>
+              <a:rPr lang="en-CA" sz="2400" dirty="0"/>
+              <a:t>Bicyclists are </a:t>
+            </a:r>
+            <a:r>
+              <a:rPr lang="en-CA" sz="2400" dirty="0" smtClean="0"/>
+              <a:t>relatively safer.</a:t>
+            </a:r>
+            <a:endParaRPr lang="en-CA" sz="2400" dirty="0"/>
           </a:p>
           <a:p>
             <a:pPr lvl="0"/>
@@ -6140,16 +6683,83 @@
           </a:p>
         </p:txBody>
       </p:sp>
+      <p:pic>
+        <p:nvPicPr>
+          <p:cNvPr id="3" name="Picture 2"/>
+          <p:cNvPicPr>
+            <a:picLocks noChangeAspect="1"/>
+          </p:cNvPicPr>
+          <p:nvPr/>
+        </p:nvPicPr>
+        <p:blipFill>
+          <a:blip r:embed="rId2">
+            <a:extLst>
+              <a:ext uri="{28A0092B-C50C-407E-A947-70E740481C1C}">
+                <a14:useLocalDpi xmlns:a14="http://schemas.microsoft.com/office/drawing/2010/main" val="0"/>
+              </a:ext>
+            </a:extLst>
+          </a:blip>
+          <a:stretch>
+            <a:fillRect/>
+          </a:stretch>
+        </p:blipFill>
+        <p:spPr>
+          <a:xfrm>
+            <a:off x="670480" y="1796527"/>
+            <a:ext cx="5148000" cy="3328707"/>
+          </a:xfrm>
+          <a:prstGeom prst="rect">
+            <a:avLst/>
+          </a:prstGeom>
+        </p:spPr>
+      </p:pic>
+      <p:pic>
+        <p:nvPicPr>
+          <p:cNvPr id="8" name="Picture 7"/>
+          <p:cNvPicPr>
+            <a:picLocks noChangeAspect="1"/>
+          </p:cNvPicPr>
+          <p:nvPr/>
+        </p:nvPicPr>
+        <p:blipFill>
+          <a:blip r:embed="rId3">
+            <a:extLst>
+              <a:ext uri="{28A0092B-C50C-407E-A947-70E740481C1C}">
+                <a14:useLocalDpi xmlns:a14="http://schemas.microsoft.com/office/drawing/2010/main" val="0"/>
+              </a:ext>
+            </a:extLst>
+          </a:blip>
+          <a:stretch>
+            <a:fillRect/>
+          </a:stretch>
+        </p:blipFill>
+        <p:spPr>
+          <a:xfrm>
+            <a:off x="6160293" y="1794818"/>
+            <a:ext cx="4900613" cy="3330416"/>
+          </a:xfrm>
+          <a:prstGeom prst="rect">
+            <a:avLst/>
+          </a:prstGeom>
+        </p:spPr>
+      </p:pic>
     </p:spTree>
     <p:extLst>
       <p:ext uri="{BB962C8B-B14F-4D97-AF65-F5344CB8AC3E}">
-        <p14:creationId xmlns:p14="http://schemas.microsoft.com/office/powerpoint/2010/main" val="3430992158"/>
+        <p14:creationId xmlns:p14="http://schemas.microsoft.com/office/powerpoint/2010/main" val="3192944692"/>
       </p:ext>
     </p:extLst>
   </p:cSld>
   <p:clrMapOvr>
     <a:masterClrMapping/>
   </p:clrMapOvr>
+  <p:timing>
+    <p:tnLst>
+      <p:par>
+        <p:cTn id="1" dur="indefinite" restart="never" nodeType="tmRoot"/>
+      </p:par>
+    </p:tnLst>
+  </p:timing>
 </p:sld>
 </file>
 
@@ -6193,7 +6803,7 @@
           <a:p>
             <a:fld id="{8C0E54EA-8D4C-4FED-9507-2FCA8636D5A2}" type="datetime1">
               <a:rPr lang="en-CA" smtClean="0"/>
-              <a:t>2018-04-12</a:t>
+              <a:t>13/04/2018</a:t>
             </a:fld>
             <a:endParaRPr lang="en-CA" dirty="0"/>
           </a:p>
@@ -6340,103 +6950,82 @@
           </a:p>
         </p:txBody>
       </p:sp>
-      <p:grpSp>
-        <p:nvGrpSpPr>
-          <p:cNvPr id="2" name="Group 1">
+      <p:pic>
+        <p:nvPicPr>
+          <p:cNvPr id="3" name="Picture 2">
             <a:extLst>
               <a:ext uri="{FF2B5EF4-FFF2-40B4-BE49-F238E27FC236}">
-                <a16:creationId xmlns:a16="http://schemas.microsoft.com/office/drawing/2014/main" id="{3A749060-6111-4DE3-8C34-CF53D688EAD8}"/>
+                <a16:creationId xmlns:a16="http://schemas.microsoft.com/office/drawing/2014/main" id="{57486C65-9719-4965-BC45-DB5FBF62993E}"/>
               </a:ext>
             </a:extLst>
           </p:cNvPr>
-          <p:cNvGrpSpPr/>
+          <p:cNvPicPr>
+            <a:picLocks noChangeAspect="1"/>
+          </p:cNvPicPr>
           <p:nvPr/>
-        </p:nvGrpSpPr>
-        <p:grpSpPr>
+        </p:nvPicPr>
+        <p:blipFill>
+          <a:blip r:embed="rId2">
+            <a:extLst>
+              <a:ext uri="{28A0092B-C50C-407E-A947-70E740481C1C}">
+                <a14:useLocalDpi xmlns:a14="http://schemas.microsoft.com/office/drawing/2010/main" val="0"/>
+              </a:ext>
+            </a:extLst>
+          </a:blip>
+          <a:stretch>
+            <a:fillRect/>
+          </a:stretch>
+        </p:blipFill>
+        <p:spPr>
           <a:xfrm>
-            <a:off x="1551260" y="1584436"/>
+            <a:off x="1551260" y="1742692"/>
             <a:ext cx="8168473" cy="3525756"/>
-            <a:chOff x="1551260" y="2028377"/>
-            <a:chExt cx="8849479" cy="3811596"/>
           </a:xfrm>
-        </p:grpSpPr>
-        <p:pic>
-          <p:nvPicPr>
-            <p:cNvPr id="3" name="Picture 2">
-              <a:extLst>
-                <a:ext uri="{FF2B5EF4-FFF2-40B4-BE49-F238E27FC236}">
-                  <a16:creationId xmlns:a16="http://schemas.microsoft.com/office/drawing/2014/main" id="{57486C65-9719-4965-BC45-DB5FBF62993E}"/>
-                </a:ext>
-              </a:extLst>
-            </p:cNvPr>
-            <p:cNvPicPr>
-              <a:picLocks noChangeAspect="1"/>
-            </p:cNvPicPr>
-            <p:nvPr/>
-          </p:nvPicPr>
-          <p:blipFill>
-            <a:blip r:embed="rId2">
-              <a:extLst>
-                <a:ext uri="{28A0092B-C50C-407E-A947-70E740481C1C}">
-                  <a14:useLocalDpi xmlns:a14="http://schemas.microsoft.com/office/drawing/2010/main" val="0"/>
-                </a:ext>
-              </a:extLst>
-            </a:blip>
-            <a:stretch>
-              <a:fillRect/>
-            </a:stretch>
-          </p:blipFill>
-          <p:spPr>
-            <a:xfrm>
-              <a:off x="1551260" y="2028377"/>
-              <a:ext cx="8849479" cy="3811596"/>
-            </a:xfrm>
-            <a:prstGeom prst="rect">
-              <a:avLst/>
-            </a:prstGeom>
-          </p:spPr>
-        </p:pic>
-        <p:sp>
-          <p:nvSpPr>
-            <p:cNvPr id="11" name="Right Arrow 10"/>
-            <p:cNvSpPr/>
-            <p:nvPr/>
-          </p:nvSpPr>
-          <p:spPr>
-            <a:xfrm rot="9495438">
-              <a:off x="3003474" y="3411896"/>
-              <a:ext cx="1105966" cy="170066"/>
-            </a:xfrm>
-            <a:prstGeom prst="rightArrow">
-              <a:avLst/>
-            </a:prstGeom>
-          </p:spPr>
-          <p:style>
-            <a:lnRef idx="2">
-              <a:schemeClr val="accent1">
-                <a:shade val="50000"/>
-              </a:schemeClr>
-            </a:lnRef>
-            <a:fillRef idx="1">
-              <a:schemeClr val="accent1"/>
-            </a:fillRef>
-            <a:effectRef idx="0">
-              <a:schemeClr val="accent1"/>
-            </a:effectRef>
-            <a:fontRef idx="minor">
-              <a:schemeClr val="lt1"/>
-            </a:fontRef>
-          </p:style>
-          <p:txBody>
-            <a:bodyPr rtlCol="0" anchor="ctr"/>
-            <a:lstStyle/>
-            <a:p>
-              <a:pPr algn="ctr"/>
-              <a:endParaRPr lang="en-CA" dirty="0"/>
-            </a:p>
-          </p:txBody>
-        </p:sp>
-      </p:grpSp>
+          <a:prstGeom prst="rect">
+            <a:avLst/>
+          </a:prstGeom>
+        </p:spPr>
+      </p:pic>
+      <p:sp>
+        <p:nvSpPr>
+          <p:cNvPr id="11" name="Right Arrow 10"/>
+          <p:cNvSpPr/>
+          <p:nvPr/>
+        </p:nvSpPr>
+        <p:spPr>
+          <a:xfrm rot="9495438">
+            <a:off x="2891720" y="3022458"/>
+            <a:ext cx="1020857" cy="157312"/>
+          </a:xfrm>
+          <a:prstGeom prst="rightArrow">
+            <a:avLst/>
+          </a:prstGeom>
+        </p:spPr>
+        <p:style>
+          <a:lnRef idx="2">
+            <a:schemeClr val="accent1">
+              <a:shade val="50000"/>
+            </a:schemeClr>
+          </a:lnRef>
+          <a:fillRef idx="1">
+            <a:schemeClr val="accent1"/>
+          </a:fillRef>
+          <a:effectRef idx="0">
+            <a:schemeClr val="accent1"/>
+          </a:effectRef>
+          <a:fontRef idx="minor">
+            <a:schemeClr val="lt1"/>
+          </a:fontRef>
+        </p:style>
+        <p:txBody>
+          <a:bodyPr rtlCol="0" anchor="ctr"/>
+          <a:lstStyle/>
+          <a:p>
+            <a:pPr algn="ctr"/>
+            <a:endParaRPr lang="en-CA" dirty="0"/>
+          </a:p>
+        </p:txBody>
+      </p:sp>
       <p:sp>
         <p:nvSpPr>
           <p:cNvPr id="9" name="Content Placeholder 2">
@@ -6455,8 +7044,8 @@
         </p:nvSpPr>
         <p:spPr>
           <a:xfrm>
-            <a:off x="494427" y="5416714"/>
-            <a:ext cx="11203145" cy="954350"/>
+            <a:off x="494427" y="5469469"/>
+            <a:ext cx="11203145" cy="649977"/>
           </a:xfrm>
         </p:spPr>
         <p:txBody>
@@ -6467,7 +7056,23 @@
           <a:p>
             <a:r>
               <a:rPr lang="en-US" sz="2400" dirty="0"/>
-              <a:t>The most frequent number of vehicles involved in collisions over week day was 2 vehicles followed by 1 and 3 vehicles involved in collisions. </a:t>
+              <a:t>Most frequent number of vehicles involved in collisions </a:t>
+            </a:r>
+            <a:r>
+              <a:rPr lang="en-US" sz="2400" dirty="0" smtClean="0"/>
+              <a:t>at all time </a:t>
+            </a:r>
+            <a:r>
+              <a:rPr lang="en-US" sz="2400" dirty="0"/>
+              <a:t>was 2</a:t>
+            </a:r>
+            <a:r>
+              <a:rPr lang="en-US" sz="2400" dirty="0" smtClean="0"/>
+              <a:t>.</a:t>
+            </a:r>
+            <a:r>
+              <a:rPr lang="en-US" sz="2400" dirty="0"/>
+              <a:t> </a:t>
             </a:r>
             <a:endParaRPr lang="en-CA" sz="2400" dirty="0"/>
           </a:p>
@@ -6483,6 +7088,84 @@
   <p:clrMapOvr>
     <a:masterClrMapping/>
   </p:clrMapOvr>
+  <p:timing>
+    <p:tnLst>
+      <p:par>
+        <p:cTn id="1" dur="indefinite" restart="never" nodeType="tmRoot">
+          <p:childTnLst>
+            <p:seq concurrent="1" nextAc="seek">
+              <p:cTn id="2" dur="indefinite" nodeType="mainSeq">
+                <p:childTnLst>
+                  <p:par>
+                    <p:cTn id="3" fill="hold">
+                      <p:stCondLst>
+                        <p:cond delay="indefinite"/>
+                      </p:stCondLst>
+                      <p:childTnLst>
+                        <p:par>
+                          <p:cTn id="4" fill="hold">
+                            <p:stCondLst>
+                              <p:cond delay="0"/>
+                            </p:stCondLst>
+                            <p:childTnLst>
+                              <p:par>
+                                <p:cTn id="5" presetID="1" presetClass="entr" presetSubtype="0" fill="hold" grpId="0" nodeType="clickEffect">
+                                  <p:stCondLst>
+                                    <p:cond delay="0"/>
+                                  </p:stCondLst>
+                                  <p:childTnLst>
+                                    <p:set>
+                                      <p:cBhvr>
+                                        <p:cTn id="6" dur="1" fill="hold">
+                                          <p:stCondLst>
+                                            <p:cond delay="0"/>
+                                          </p:stCondLst>
+                                        </p:cTn>
+                                        <p:tgtEl>
+                                          <p:spTgt spid="11"/>
+                                        </p:tgtEl>
+                                        <p:attrNameLst>
+                                          <p:attrName>style.visibility</p:attrName>
+                                        </p:attrNameLst>
+                                      </p:cBhvr>
+                                      <p:to>
+                                        <p:strVal val="visible"/>
+                                      </p:to>
+                                    </p:set>
+                                  </p:childTnLst>
+                                </p:cTn>
+                              </p:par>
+                            </p:childTnLst>
+                          </p:cTn>
+                        </p:par>
+                      </p:childTnLst>
+                    </p:cTn>
+                  </p:par>
+                </p:childTnLst>
+              </p:cTn>
+              <p:prevCondLst>
+                <p:cond evt="onPrev" delay="0">
+                  <p:tgtEl>
+                    <p:sldTgt/>
+                  </p:tgtEl>
+                </p:cond>
+              </p:prevCondLst>
+              <p:nextCondLst>
+                <p:cond evt="onNext" delay="0">
+                  <p:tgtEl>
+                    <p:sldTgt/>
+                  </p:tgtEl>
+                </p:cond>
+              </p:nextCondLst>
+            </p:seq>
+          </p:childTnLst>
+        </p:cTn>
+      </p:par>
+    </p:tnLst>
+    <p:bldLst>
+      <p:bldP spid="11" grpId="0" animBg="1"/>
+    </p:bldLst>
+  </p:timing>
 </p:sld>
 </file>
 
@@ -6526,7 +7209,7 @@
           <a:p>
             <a:fld id="{8C0E54EA-8D4C-4FED-9507-2FCA8636D5A2}" type="datetime1">
               <a:rPr lang="en-CA" smtClean="0"/>
-              <a:t>2018-04-12</a:t>
+              <a:t>13/04/2018</a:t>
             </a:fld>
             <a:endParaRPr lang="en-CA" dirty="0"/>
           </a:p>
@@ -6651,7 +7334,7 @@
         </p:blipFill>
         <p:spPr>
           <a:xfrm>
-            <a:off x="210593" y="1791754"/>
+            <a:off x="210593" y="1659874"/>
             <a:ext cx="7519474" cy="5066246"/>
           </a:xfrm>
           <a:prstGeom prst="rect">
@@ -6667,7 +7350,7 @@
         </p:nvSpPr>
         <p:spPr>
           <a:xfrm>
-            <a:off x="4805984" y="1713211"/>
+            <a:off x="4805984" y="1634083"/>
             <a:ext cx="330461" cy="3431578"/>
           </a:xfrm>
           <a:prstGeom prst="roundRect">
@@ -6713,7 +7396,7 @@
         </p:nvSpPr>
         <p:spPr>
           <a:xfrm>
-            <a:off x="3069762" y="1713211"/>
+            <a:off x="3096138" y="1634083"/>
             <a:ext cx="330461" cy="3431577"/>
           </a:xfrm>
           <a:prstGeom prst="roundRect">
@@ -6769,7 +7452,7 @@
         </p:nvSpPr>
         <p:spPr>
           <a:xfrm>
-            <a:off x="7958667" y="1896533"/>
+            <a:off x="7920211" y="1800000"/>
             <a:ext cx="3738905" cy="4474531"/>
           </a:xfrm>
         </p:spPr>
@@ -6836,26 +7519,28 @@
               <a:t> </a:t>
             </a:r>
             <a:r>
-              <a:rPr lang="en-CA" altLang="zh-CN" sz="2400" dirty="0"/>
-              <a:t>collision,</a:t>
-            </a:r>
-            <a:r>
-              <a:rPr lang="zh-CN" altLang="en-US" sz="2400" dirty="0"/>
-              <a:t> </a:t>
-            </a:r>
-            <a:r>
-              <a:rPr lang="en-CA" altLang="zh-CN" sz="2400" dirty="0"/>
-              <a:t>but the lowest fatal rate.</a:t>
-            </a:r>
-          </a:p>
-          <a:p>
+              <a:rPr lang="en-CA" altLang="zh-CN" sz="2400" dirty="0" smtClean="0"/>
+              <a:t>collision.</a:t>
+            </a:r>
             <a:endParaRPr lang="en-CA" altLang="zh-CN" sz="2400" dirty="0"/>
           </a:p>
           <a:p>
+            <a:endParaRPr lang="en-CA" altLang="zh-CN" sz="2400" dirty="0"/>
+          </a:p>
+          <a:p>
+            <a:r>
+              <a:rPr lang="en-CA" sz="2400" dirty="0" smtClean="0"/>
+              <a:t>Head-on </a:t>
+            </a:r>
             <a:r>
               <a:rPr lang="en-CA" sz="2400" dirty="0"/>
-              <a:t>Even though the head-on collision is an unusual collision configuration; however,  it is deadly.</a:t>
-            </a:r>
+              <a:t>collision </a:t>
+            </a:r>
+            <a:r>
+              <a:rPr lang="en-CA" sz="2400" dirty="0" smtClean="0"/>
+              <a:t>has the highest fatality rate.</a:t>
+            </a:r>
+            <a:endParaRPr lang="en-CA" sz="2400" dirty="0"/>
           </a:p>
         </p:txBody>
       </p:sp>
@@ -6903,7 +7588,7 @@
                                           </p:stCondLst>
                                         </p:cTn>
                                         <p:tgtEl>
-                                          <p:spTgt spid="9"/>
+                                          <p:spTgt spid="11"/>
                                         </p:tgtEl>
                                         <p:attrNameLst>
                                           <p:attrName>style.visibility</p:attrName>
@@ -6948,7 +7633,7 @@
                                           </p:stCondLst>
                                         </p:cTn>
                                         <p:tgtEl>
-                                          <p:spTgt spid="11"/>
+                                          <p:spTgt spid="9"/>
                                         </p:tgtEl>
                                         <p:attrNameLst>
                                           <p:attrName>style.visibility</p:attrName>
@@ -7036,7 +7721,7 @@
           <a:p>
             <a:fld id="{8C0E54EA-8D4C-4FED-9507-2FCA8636D5A2}" type="datetime1">
               <a:rPr lang="en-CA" smtClean="0"/>
-              <a:t>2018-04-12</a:t>
+              <a:t>13/04/2018</a:t>
             </a:fld>
             <a:endParaRPr lang="en-CA" dirty="0"/>
           </a:p>
@@ -7133,155 +7818,134 @@
           </a:p>
         </p:txBody>
       </p:sp>
-      <p:grpSp>
-        <p:nvGrpSpPr>
-          <p:cNvPr id="2" name="Group 1">
+      <p:pic>
+        <p:nvPicPr>
+          <p:cNvPr id="8" name="Picture 7">
             <a:extLst>
               <a:ext uri="{FF2B5EF4-FFF2-40B4-BE49-F238E27FC236}">
-                <a16:creationId xmlns:a16="http://schemas.microsoft.com/office/drawing/2014/main" id="{CA100639-48C9-42C9-B249-F5DEC245B948}"/>
+                <a16:creationId xmlns:a16="http://schemas.microsoft.com/office/drawing/2014/main" id="{2CE7C8FC-B795-4612-9FEC-9BA089F54D4E}"/>
               </a:ext>
             </a:extLst>
           </p:cNvPr>
-          <p:cNvGrpSpPr/>
+          <p:cNvPicPr>
+            <a:picLocks noChangeAspect="1"/>
+          </p:cNvPicPr>
           <p:nvPr/>
-        </p:nvGrpSpPr>
-        <p:grpSpPr>
+        </p:nvPicPr>
+        <p:blipFill>
+          <a:blip r:embed="rId2">
+            <a:extLst>
+              <a:ext uri="{28A0092B-C50C-407E-A947-70E740481C1C}">
+                <a14:useLocalDpi xmlns:a14="http://schemas.microsoft.com/office/drawing/2010/main" val="0"/>
+              </a:ext>
+            </a:extLst>
+          </a:blip>
+          <a:stretch>
+            <a:fillRect/>
+          </a:stretch>
+        </p:blipFill>
+        <p:spPr>
           <a:xfrm>
-            <a:off x="921420" y="1729448"/>
+            <a:off x="1089804" y="1729448"/>
             <a:ext cx="6258313" cy="4626902"/>
-            <a:chOff x="2655819" y="1544945"/>
-            <a:chExt cx="6640361" cy="4811405"/>
           </a:xfrm>
-        </p:grpSpPr>
-        <p:pic>
-          <p:nvPicPr>
-            <p:cNvPr id="8" name="Picture 7">
-              <a:extLst>
-                <a:ext uri="{FF2B5EF4-FFF2-40B4-BE49-F238E27FC236}">
-                  <a16:creationId xmlns:a16="http://schemas.microsoft.com/office/drawing/2014/main" id="{2CE7C8FC-B795-4612-9FEC-9BA089F54D4E}"/>
-                </a:ext>
-              </a:extLst>
-            </p:cNvPr>
-            <p:cNvPicPr>
-              <a:picLocks noChangeAspect="1"/>
-            </p:cNvPicPr>
-            <p:nvPr/>
-          </p:nvPicPr>
-          <p:blipFill>
-            <a:blip r:embed="rId2">
-              <a:extLst>
-                <a:ext uri="{28A0092B-C50C-407E-A947-70E740481C1C}">
-                  <a14:useLocalDpi xmlns:a14="http://schemas.microsoft.com/office/drawing/2010/main" val="0"/>
-                </a:ext>
-              </a:extLst>
-            </a:blip>
-            <a:stretch>
-              <a:fillRect/>
-            </a:stretch>
-          </p:blipFill>
-          <p:spPr>
-            <a:xfrm>
-              <a:off x="2655819" y="1544945"/>
-              <a:ext cx="6640361" cy="4811405"/>
-            </a:xfrm>
-            <a:prstGeom prst="rect">
-              <a:avLst/>
-            </a:prstGeom>
-          </p:spPr>
-        </p:pic>
-        <p:sp>
-          <p:nvSpPr>
-            <p:cNvPr id="9" name="Rounded Rectangle 8"/>
-            <p:cNvSpPr/>
-            <p:nvPr/>
-          </p:nvSpPr>
-          <p:spPr>
-            <a:xfrm>
-              <a:off x="7684353" y="1544945"/>
-              <a:ext cx="390868" cy="3763654"/>
-            </a:xfrm>
-            <a:prstGeom prst="roundRect">
-              <a:avLst/>
-            </a:prstGeom>
-            <a:noFill/>
-            <a:ln w="19050">
-              <a:solidFill>
-                <a:srgbClr val="FF0000"/>
-              </a:solidFill>
-            </a:ln>
-          </p:spPr>
-          <p:style>
-            <a:lnRef idx="2">
-              <a:schemeClr val="accent1">
-                <a:shade val="50000"/>
-              </a:schemeClr>
-            </a:lnRef>
-            <a:fillRef idx="1">
-              <a:schemeClr val="accent1"/>
-            </a:fillRef>
-            <a:effectRef idx="0">
-              <a:schemeClr val="accent1"/>
-            </a:effectRef>
-            <a:fontRef idx="minor">
-              <a:schemeClr val="lt1"/>
-            </a:fontRef>
-          </p:style>
-          <p:txBody>
-            <a:bodyPr rtlCol="0" anchor="ctr"/>
-            <a:lstStyle/>
-            <a:p>
-              <a:pPr algn="ctr"/>
-              <a:endParaRPr lang="en-CA" dirty="0"/>
-            </a:p>
-          </p:txBody>
-        </p:sp>
-        <p:sp>
-          <p:nvSpPr>
-            <p:cNvPr id="10" name="Rounded Rectangle 9"/>
-            <p:cNvSpPr/>
-            <p:nvPr/>
-          </p:nvSpPr>
-          <p:spPr>
-            <a:xfrm>
-              <a:off x="3051960" y="1544946"/>
-              <a:ext cx="442243" cy="3763654"/>
-            </a:xfrm>
-            <a:prstGeom prst="roundRect">
-              <a:avLst/>
-            </a:prstGeom>
-            <a:noFill/>
-            <a:ln w="19050">
-              <a:solidFill>
-                <a:srgbClr val="00B050"/>
-              </a:solidFill>
-            </a:ln>
-          </p:spPr>
-          <p:style>
-            <a:lnRef idx="2">
-              <a:schemeClr val="accent1">
-                <a:shade val="50000"/>
-              </a:schemeClr>
-            </a:lnRef>
-            <a:fillRef idx="1">
-              <a:schemeClr val="accent1"/>
-            </a:fillRef>
-            <a:effectRef idx="0">
-              <a:schemeClr val="accent1"/>
-            </a:effectRef>
-            <a:fontRef idx="minor">
-              <a:schemeClr val="lt1"/>
-            </a:fontRef>
-          </p:style>
-          <p:txBody>
-            <a:bodyPr rtlCol="0" anchor="ctr"/>
-            <a:lstStyle/>
-            <a:p>
-              <a:pPr algn="ctr"/>
-              <a:endParaRPr lang="en-CA" dirty="0"/>
-            </a:p>
-          </p:txBody>
-        </p:sp>
-      </p:grpSp>
+          <a:prstGeom prst="rect">
+            <a:avLst/>
+          </a:prstGeom>
+        </p:spPr>
+      </p:pic>
+      <p:sp>
+        <p:nvSpPr>
+          <p:cNvPr id="9" name="Rounded Rectangle 8"/>
+          <p:cNvSpPr/>
+          <p:nvPr/>
+        </p:nvSpPr>
+        <p:spPr>
+          <a:xfrm>
+            <a:off x="5829025" y="1729448"/>
+            <a:ext cx="368380" cy="3619329"/>
+          </a:xfrm>
+          <a:prstGeom prst="roundRect">
+            <a:avLst/>
+          </a:prstGeom>
+          <a:noFill/>
+          <a:ln w="19050">
+            <a:solidFill>
+              <a:srgbClr val="FF0000"/>
+            </a:solidFill>
+          </a:ln>
+        </p:spPr>
+        <p:style>
+          <a:lnRef idx="2">
+            <a:schemeClr val="accent1">
+              <a:shade val="50000"/>
+            </a:schemeClr>
+          </a:lnRef>
+          <a:fillRef idx="1">
+            <a:schemeClr val="accent1"/>
+          </a:fillRef>
+          <a:effectRef idx="0">
+            <a:schemeClr val="accent1"/>
+          </a:effectRef>
+          <a:fontRef idx="minor">
+            <a:schemeClr val="lt1"/>
+          </a:fontRef>
+        </p:style>
+        <p:txBody>
+          <a:bodyPr rtlCol="0" anchor="ctr"/>
+          <a:lstStyle/>
+          <a:p>
+            <a:pPr algn="ctr"/>
+            <a:endParaRPr lang="en-CA" dirty="0"/>
+          </a:p>
+        </p:txBody>
+      </p:sp>
+      <p:sp>
+        <p:nvSpPr>
+          <p:cNvPr id="10" name="Rounded Rectangle 9"/>
+          <p:cNvSpPr/>
+          <p:nvPr/>
+        </p:nvSpPr>
+        <p:spPr>
+          <a:xfrm>
+            <a:off x="1463153" y="1729449"/>
+            <a:ext cx="416799" cy="3619329"/>
+          </a:xfrm>
+          <a:prstGeom prst="roundRect">
+            <a:avLst/>
+          </a:prstGeom>
+          <a:noFill/>
+          <a:ln w="19050">
+            <a:solidFill>
+              <a:srgbClr val="00B050"/>
+            </a:solidFill>
+          </a:ln>
+        </p:spPr>
+        <p:style>
+          <a:lnRef idx="2">
+            <a:schemeClr val="accent1">
+              <a:shade val="50000"/>
+            </a:schemeClr>
+          </a:lnRef>
+          <a:fillRef idx="1">
+            <a:schemeClr val="accent1"/>
+          </a:fillRef>
+          <a:effectRef idx="0">
+            <a:schemeClr val="accent1"/>
+          </a:effectRef>
+          <a:fontRef idx="minor">
+            <a:schemeClr val="lt1"/>
+          </a:fontRef>
+        </p:style>
+        <p:txBody>
+          <a:bodyPr rtlCol="0" anchor="ctr"/>
+          <a:lstStyle/>
+          <a:p>
+            <a:pPr algn="ctr"/>
+            <a:endParaRPr lang="en-CA" dirty="0"/>
+          </a:p>
+        </p:txBody>
+      </p:sp>
       <p:sp>
         <p:nvSpPr>
           <p:cNvPr id="11" name="Content Placeholder 2">
@@ -7300,7 +7964,7 @@
         </p:nvSpPr>
         <p:spPr>
           <a:xfrm>
-            <a:off x="7913511" y="1910070"/>
+            <a:off x="7920000" y="1799238"/>
             <a:ext cx="3784061" cy="4460994"/>
           </a:xfrm>
         </p:spPr>
@@ -7311,8 +7975,28 @@
           <a:lstStyle/>
           <a:p>
             <a:r>
+              <a:rPr lang="en-CA" sz="2400" dirty="0" smtClean="0"/>
+              <a:t>Drivers are </a:t>
+            </a:r>
+            <a:r>
               <a:rPr lang="en-CA" sz="2400" dirty="0"/>
-              <a:t>Driver is more likely to involved in an accident. Spuriously, the fatal rate is the lowest.</a:t>
+              <a:t>more likely to </a:t>
+            </a:r>
+            <a:r>
+              <a:rPr lang="en-CA" sz="2400" dirty="0" smtClean="0"/>
+              <a:t>be involved </a:t>
+            </a:r>
+            <a:r>
+              <a:rPr lang="en-CA" sz="2400" dirty="0"/>
+              <a:t>in </a:t>
+            </a:r>
+            <a:r>
+              <a:rPr lang="en-CA" sz="2400" dirty="0" smtClean="0"/>
+              <a:t>collisions, but surprisingly, </a:t>
+            </a:r>
+            <a:r>
+              <a:rPr lang="en-CA" sz="2400" dirty="0"/>
+              <a:t>the fatal rate is the lowest.</a:t>
             </a:r>
           </a:p>
           <a:p>
@@ -7320,9 +8004,26 @@
           </a:p>
           <a:p>
             <a:r>
+              <a:rPr lang="en-CA" sz="2400" dirty="0" smtClean="0"/>
+              <a:t>Sitting </a:t>
+            </a:r>
+            <a:r>
               <a:rPr lang="en-CA" sz="2400" dirty="0"/>
-              <a:t>The highest fatal rate is the person, like baby, who is sitting on other’s lap when a traffic happens. </a:t>
-            </a:r>
+              <a:t>on </a:t>
+            </a:r>
+            <a:r>
+              <a:rPr lang="en-CA" sz="2400" dirty="0" smtClean="0"/>
+              <a:t>someone’s </a:t>
+            </a:r>
+            <a:r>
+              <a:rPr lang="en-CA" sz="2400" dirty="0"/>
+              <a:t>lap </a:t>
+            </a:r>
+            <a:r>
+              <a:rPr lang="en-CA" sz="2400" dirty="0" smtClean="0"/>
+              <a:t>has the highest fatality rate. </a:t>
+            </a:r>
+            <a:endParaRPr lang="en-CA" sz="2400" dirty="0"/>
           </a:p>
         </p:txBody>
       </p:sp>
@@ -7336,6 +8037,130 @@
   <p:clrMapOvr>
     <a:masterClrMapping/>
   </p:clrMapOvr>
+  <p:timing>
+    <p:tnLst>
+      <p:par>
+        <p:cTn id="1" dur="indefinite" restart="never" nodeType="tmRoot">
+          <p:childTnLst>
+            <p:seq concurrent="1" nextAc="seek">
+              <p:cTn id="2" dur="indefinite" nodeType="mainSeq">
+                <p:childTnLst>
+                  <p:par>
+                    <p:cTn id="3" fill="hold">
+                      <p:stCondLst>
+                        <p:cond delay="indefinite"/>
+                      </p:stCondLst>
+                      <p:childTnLst>
+                        <p:par>
+                          <p:cTn id="4" fill="hold">
+                            <p:stCondLst>
+                              <p:cond delay="0"/>
+                            </p:stCondLst>
+                            <p:childTnLst>
+                              <p:par>
+                                <p:cTn id="5" presetID="1" presetClass="entr" presetSubtype="0" fill="hold" grpId="0" nodeType="clickEffect">
+                                  <p:stCondLst>
+                                    <p:cond delay="0"/>
+                                  </p:stCondLst>
+                                  <p:childTnLst>
+                                    <p:set>
+                                      <p:cBhvr>
+                                        <p:cTn id="6" dur="1" fill="hold">
+                                          <p:stCondLst>
+                                            <p:cond delay="0"/>
+                                          </p:stCondLst>
+                                        </p:cTn>
+                                        <p:tgtEl>
+                                          <p:spTgt spid="10"/>
+                                        </p:tgtEl>
+                                        <p:attrNameLst>
+                                          <p:attrName>style.visibility</p:attrName>
+                                        </p:attrNameLst>
+                                      </p:cBhvr>
+                                      <p:to>
+                                        <p:strVal val="visible"/>
+                                      </p:to>
+                                    </p:set>
+                                  </p:childTnLst>
+                                </p:cTn>
+                              </p:par>
+                            </p:childTnLst>
+                          </p:cTn>
+                        </p:par>
+                      </p:childTnLst>
+                    </p:cTn>
+                  </p:par>
+                  <p:par>
+                    <p:cTn id="7" fill="hold">
+                      <p:stCondLst>
+                        <p:cond delay="indefinite"/>
+                      </p:stCondLst>
+                      <p:childTnLst>
+                        <p:par>
+                          <p:cTn id="8" fill="hold">
+                            <p:stCondLst>
+                              <p:cond delay="0"/>
+                            </p:stCondLst>
+                            <p:childTnLst>
+                              <p:par>
+                                <p:cTn id="9" presetID="1" presetClass="entr" presetSubtype="0" fill="hold" grpId="0" nodeType="clickEffect">
+                                  <p:stCondLst>
+                                    <p:cond delay="0"/>
+                                  </p:stCondLst>
+                                  <p:childTnLst>
+                                    <p:set>
+                                      <p:cBhvr>
+                                        <p:cTn id="10" dur="1" fill="hold">
+                                          <p:stCondLst>
+                                            <p:cond delay="0"/>
+                                          </p:stCondLst>
+                                        </p:cTn>
+                                        <p:tgtEl>
+                                          <p:spTgt spid="9"/>
+                                        </p:tgtEl>
+                                        <p:attrNameLst>
+                                          <p:attrName>style.visibility</p:attrName>
+                                        </p:attrNameLst>
+                                      </p:cBhvr>
+                                      <p:to>
+                                        <p:strVal val="visible"/>
+                                      </p:to>
+                                    </p:set>
+                                  </p:childTnLst>
+                                </p:cTn>
+                              </p:par>
+                            </p:childTnLst>
+                          </p:cTn>
+                        </p:par>
+                      </p:childTnLst>
+                    </p:cTn>
+                  </p:par>
+                </p:childTnLst>
+              </p:cTn>
+              <p:prevCondLst>
+                <p:cond evt="onPrev" delay="0">
+                  <p:tgtEl>
+                    <p:sldTgt/>
+                  </p:tgtEl>
+                </p:cond>
+              </p:prevCondLst>
+              <p:nextCondLst>
+                <p:cond evt="onNext" delay="0">
+                  <p:tgtEl>
+                    <p:sldTgt/>
+                  </p:tgtEl>
+                </p:cond>
+              </p:nextCondLst>
+            </p:seq>
+          </p:childTnLst>
+        </p:cTn>
+      </p:par>
+    </p:tnLst>
+    <p:bldLst>
+      <p:bldP spid="9" grpId="0" animBg="1"/>
+      <p:bldP spid="10" grpId="0" animBg="1"/>
+    </p:bldLst>
+  </p:timing>
 </p:sld>
 </file>
 
@@ -7420,7 +8245,7 @@
           <a:p>
             <a:fld id="{2B55D7DE-186A-4892-8D98-071771C95811}" type="datetime1">
               <a:rPr lang="en-CA" smtClean="0"/>
-              <a:t>2018-04-12</a:t>
+              <a:t>13/04/2018</a:t>
             </a:fld>
             <a:endParaRPr lang="en-CA" dirty="0"/>
           </a:p>
@@ -7498,6 +8323,13 @@
   <p:clrMapOvr>
     <a:masterClrMapping/>
   </p:clrMapOvr>
+  <p:timing>
+    <p:tnLst>
+      <p:par>
+        <p:cTn id="1" dur="indefinite" restart="never" nodeType="tmRoot"/>
+      </p:par>
+    </p:tnLst>
+  </p:timing>
 </p:sld>
 </file>
 
@@ -7551,7 +8383,12 @@
             <p:ph idx="1"/>
           </p:nvPr>
         </p:nvSpPr>
-        <p:spPr/>
+        <p:spPr>
+          <a:xfrm>
+            <a:off x="576000" y="2340000"/>
+            <a:ext cx="4490977" cy="3048000"/>
+          </a:xfrm>
+        </p:spPr>
         <p:txBody>
           <a:bodyPr/>
           <a:lstStyle/>
@@ -7562,9 +8399,10 @@
               </a:lnSpc>
             </a:pPr>
             <a:r>
-              <a:rPr lang="en-US" b="1" u="sng" dirty="0"/>
+              <a:rPr lang="en-US" b="1" u="sng" dirty="0" smtClean="0"/>
               <a:t>Overview</a:t>
             </a:r>
+            <a:endParaRPr lang="en-US" b="1" u="sng" dirty="0"/>
           </a:p>
           <a:p>
             <a:pPr>
@@ -7572,6 +8410,17 @@
                 <a:spcPct val="200000"/>
               </a:lnSpc>
             </a:pPr>
+            <a:r>
+              <a:rPr lang="en-US" dirty="0" smtClean="0">
+                <a:solidFill>
+                  <a:schemeClr val="tx1">
+                    <a:lumMod val="50000"/>
+                    <a:lumOff val="50000"/>
+                  </a:schemeClr>
+                </a:solidFill>
+              </a:rPr>
+              <a:t>Analysis </a:t>
+            </a:r>
             <a:r>
               <a:rPr lang="en-US" dirty="0">
                 <a:solidFill>
@@ -7581,7 +8430,7 @@
                   </a:schemeClr>
                 </a:solidFill>
               </a:rPr>
-              <a:t>Analysis and Conclusions</a:t>
+              <a:t>and Conclusions</a:t>
             </a:r>
           </a:p>
         </p:txBody>
@@ -7627,7 +8476,7 @@
           <a:p>
             <a:fld id="{2B55D7DE-186A-4892-8D98-071771C95811}" type="datetime1">
               <a:rPr lang="en-CA" smtClean="0"/>
-              <a:t>2018-04-12</a:t>
+              <a:t>13/04/2018</a:t>
             </a:fld>
             <a:endParaRPr lang="en-CA" dirty="0"/>
           </a:p>
@@ -7665,6 +8514,13 @@
   <p:clrMapOvr>
     <a:masterClrMapping/>
   </p:clrMapOvr>
+  <p:timing>
+    <p:tnLst>
+      <p:par>
+        <p:cTn id="1" dur="indefinite" restart="never" nodeType="tmRoot"/>
+      </p:par>
+    </p:tnLst>
+  </p:timing>
 </p:sld>
 </file>
 
@@ -7725,7 +8581,7 @@
           <a:p>
             <a:fld id="{8B65A117-9AD8-4CB7-AE1C-DFF8007FE590}" type="datetime1">
               <a:rPr lang="en-CA" smtClean="0"/>
-              <a:t>2018-04-12</a:t>
+              <a:t>13/04/2018</a:t>
             </a:fld>
             <a:endParaRPr lang="en-CA" dirty="0"/>
           </a:p>
@@ -7829,6 +8685,13 @@
   <p:clrMapOvr>
     <a:masterClrMapping/>
   </p:clrMapOvr>
+  <p:timing>
+    <p:tnLst>
+      <p:par>
+        <p:cTn id="1" dur="indefinite" restart="never" nodeType="tmRoot"/>
+      </p:par>
+    </p:tnLst>
+  </p:timing>
 </p:sld>
 </file>
 
@@ -7891,7 +8754,7 @@
           <a:p>
             <a:fld id="{8B65A117-9AD8-4CB7-AE1C-DFF8007FE590}" type="datetime1">
               <a:rPr lang="en-CA" smtClean="0"/>
-              <a:t>2018-04-12</a:t>
+              <a:t>13/04/2018</a:t>
             </a:fld>
             <a:endParaRPr lang="en-CA" dirty="0"/>
           </a:p>
@@ -8004,7 +8867,7 @@
         </p:nvGraphicFramePr>
         <p:xfrm>
           <a:off x="558625" y="3916669"/>
-          <a:ext cx="10834749" cy="342900"/>
+          <a:ext cx="10834749" cy="358776"/>
         </p:xfrm>
         <a:graphic>
           <a:graphicData uri="http://schemas.openxmlformats.org/drawingml/2006/table">
@@ -11789,6 +12652,13 @@
   <p:clrMapOvr>
     <a:masterClrMapping/>
   </p:clrMapOvr>
+  <p:timing>
+    <p:tnLst>
+      <p:par>
+        <p:cTn id="1" dur="indefinite" restart="never" nodeType="tmRoot"/>
+      </p:par>
+    </p:tnLst>
+  </p:timing>
 </p:sld>
 </file>
 
@@ -11895,7 +12765,7 @@
           <a:p>
             <a:fld id="{8C0E54EA-8D4C-4FED-9507-2FCA8636D5A2}" type="datetime1">
               <a:rPr lang="en-CA" smtClean="0"/>
-              <a:t>2018-04-12</a:t>
+              <a:t>13/04/2018</a:t>
             </a:fld>
             <a:endParaRPr lang="en-CA" dirty="0"/>
           </a:p>
@@ -11986,6 +12856,13 @@
   <p:clrMapOvr>
     <a:masterClrMapping/>
   </p:clrMapOvr>
+  <p:timing>
+    <p:tnLst>
+      <p:par>
+        <p:cTn id="1" dur="indefinite" restart="never" nodeType="tmRoot"/>
+      </p:par>
+    </p:tnLst>
+  </p:timing>
 </p:sld>
 </file>
 
@@ -12039,7 +12916,12 @@
             <p:ph idx="1"/>
           </p:nvPr>
         </p:nvSpPr>
-        <p:spPr/>
+        <p:spPr>
+          <a:xfrm>
+            <a:off x="576000" y="2340001"/>
+            <a:ext cx="4490977" cy="3054036"/>
+          </a:xfrm>
+        </p:spPr>
         <p:txBody>
           <a:bodyPr>
             <a:normAutofit/>
@@ -12117,7 +12999,7 @@
           <a:p>
             <a:fld id="{2B55D7DE-186A-4892-8D98-071771C95811}" type="datetime1">
               <a:rPr lang="en-CA" smtClean="0"/>
-              <a:t>2018-04-12</a:t>
+              <a:t>13/04/2018</a:t>
             </a:fld>
             <a:endParaRPr lang="en-CA" dirty="0"/>
           </a:p>
@@ -12155,6 +13037,13 @@
   <p:clrMapOvr>
     <a:masterClrMapping/>
   </p:clrMapOvr>
+  <p:timing>
+    <p:tnLst>
+      <p:par>
+        <p:cTn id="1" dur="indefinite" restart="never" nodeType="tmRoot"/>
+      </p:par>
+    </p:tnLst>
+  </p:timing>
 </p:sld>
 </file>
 
@@ -12321,7 +13210,7 @@
           <a:p>
             <a:fld id="{8B65A117-9AD8-4CB7-AE1C-DFF8007FE590}" type="datetime1">
               <a:rPr lang="en-CA" smtClean="0"/>
-              <a:t>2018-04-12</a:t>
+              <a:t>13/04/2018</a:t>
             </a:fld>
             <a:endParaRPr lang="en-CA" dirty="0"/>
           </a:p>
@@ -13054,7 +13943,7 @@
           <a:p>
             <a:fld id="{8B65A117-9AD8-4CB7-AE1C-DFF8007FE590}" type="datetime1">
               <a:rPr lang="en-CA" smtClean="0"/>
-              <a:t>2018-04-12</a:t>
+              <a:t>13/04/2018</a:t>
             </a:fld>
             <a:endParaRPr lang="en-CA" dirty="0"/>
           </a:p>
@@ -13207,13 +14096,30 @@
           <a:p>
             <a:r>
               <a:rPr lang="en-US" sz="2400" dirty="0"/>
-              <a:t>The autocorrelation of fatal and non-fatal collisions both follow similar pattern, which is a seasonal cycle of a year.</a:t>
-            </a:r>
-          </a:p>
-          <a:p>
+              <a:t>The autocorrelation of fatal and non-fatal collisions both follow </a:t>
+            </a:r>
+            <a:r>
+              <a:rPr lang="en-US" sz="2400" dirty="0" smtClean="0"/>
+              <a:t>a similar </a:t>
+            </a:r>
             <a:r>
               <a:rPr lang="en-US" sz="2400" dirty="0"/>
-              <a:t>The distribution of fatal and non-fatal collisions are highly linear correlated.</a:t>
+              <a:t>pattern, which is a seasonal cycle of </a:t>
+            </a:r>
+            <a:r>
+              <a:rPr lang="en-US" sz="2400" dirty="0" smtClean="0"/>
+              <a:t>12-month period.</a:t>
+            </a:r>
+            <a:endParaRPr lang="en-US" sz="2400" dirty="0"/>
+          </a:p>
+          <a:p>
+            <a:r>
+              <a:rPr lang="en-US" sz="2400" dirty="0"/>
+              <a:t>The distribution of fatal and non-fatal collisions </a:t>
+            </a:r>
+            <a:r>
+              <a:rPr lang="en-US" sz="2400" dirty="0" smtClean="0"/>
+              <a:t>show a strong linear correlation.</a:t>
             </a:r>
             <a:endParaRPr lang="en-CA" sz="2400" dirty="0"/>
           </a:p>
@@ -13229,6 +14135,13 @@
   <p:clrMapOvr>
     <a:masterClrMapping/>
   </p:clrMapOvr>
+  <p:timing>
+    <p:tnLst>
+      <p:par>
+        <p:cTn id="1" dur="indefinite" restart="never" nodeType="tmRoot"/>
+      </p:par>
+    </p:tnLst>
+  </p:timing>
 </p:sld>
 </file>
 
@@ -13299,7 +14212,7 @@
           <a:p>
             <a:fld id="{8B65A117-9AD8-4CB7-AE1C-DFF8007FE590}" type="datetime1">
               <a:rPr lang="en-CA" smtClean="0"/>
-              <a:t>2018-04-12</a:t>
+              <a:t>13/04/2018</a:t>
             </a:fld>
             <a:endParaRPr lang="en-CA" dirty="0"/>
           </a:p>
@@ -13870,7 +14783,7 @@
           <a:p>
             <a:fld id="{8B65A117-9AD8-4CB7-AE1C-DFF8007FE590}" type="datetime1">
               <a:rPr lang="en-CA" smtClean="0"/>
-              <a:t>2018-04-12</a:t>
+              <a:t>13/04/2018</a:t>
             </a:fld>
             <a:endParaRPr lang="en-CA" dirty="0"/>
           </a:p>
@@ -13977,7 +14890,7 @@
         </p:nvSpPr>
         <p:spPr>
           <a:xfrm>
-            <a:off x="7854274" y="2166306"/>
+            <a:off x="7854274" y="1550841"/>
             <a:ext cx="1730101" cy="3087685"/>
           </a:xfrm>
           <a:prstGeom prst="roundRect">
@@ -14046,13 +14959,34 @@
             <a:pPr lvl="0"/>
             <a:r>
               <a:rPr lang="en-CA" sz="2400" dirty="0"/>
-              <a:t>The majority of collisions had place in a clear and sunny day.</a:t>
-            </a:r>
-          </a:p>
-          <a:p>
+              <a:t>The majority of collisions </a:t>
+            </a:r>
+            <a:r>
+              <a:rPr lang="en-CA" sz="2400" dirty="0" smtClean="0"/>
+              <a:t>took place on clear </a:t>
+            </a:r>
             <a:r>
               <a:rPr lang="en-CA" sz="2400" dirty="0"/>
-              <a:t>The most dangerous weather for drivers was weather with limited visibility like as fog, smog and mist and weather with strong wind. </a:t>
+              <a:t>and sunny </a:t>
+            </a:r>
+            <a:r>
+              <a:rPr lang="en-CA" sz="2400" dirty="0" smtClean="0"/>
+              <a:t>days.</a:t>
+            </a:r>
+            <a:endParaRPr lang="en-CA" sz="2400" dirty="0"/>
+          </a:p>
+          <a:p>
+            <a:r>
+              <a:rPr lang="en-CA" sz="2400" dirty="0" smtClean="0"/>
+              <a:t>Drivers </a:t>
+            </a:r>
+            <a:r>
+              <a:rPr lang="en-CA" sz="2400" dirty="0"/>
+              <a:t>driving with limited visibility such as fog, smog and mist with strong wind were prone to highest fatality </a:t>
+            </a:r>
+            <a:r>
+              <a:rPr lang="en-CA" sz="2400" dirty="0" smtClean="0"/>
+              <a:t>rate.</a:t>
             </a:r>
             <a:endParaRPr lang="en-US" sz="2400" dirty="0"/>
           </a:p>
